--- a/01 Classes/Aula 08 Programação Python - Modularização Funções.pptx
+++ b/01 Classes/Aula 08 Programação Python - Modularização Funções.pptx
@@ -5,7 +5,7 @@
     <p:sldMasterId id="2147483671" r:id="rId1"/>
   </p:sldMasterIdLst>
   <p:notesMasterIdLst>
-    <p:notesMasterId r:id="rId23"/>
+    <p:notesMasterId r:id="rId24"/>
   </p:notesMasterIdLst>
   <p:sldIdLst>
     <p:sldId id="256" r:id="rId2"/>
@@ -24,11 +24,12 @@
     <p:sldId id="348" r:id="rId15"/>
     <p:sldId id="349" r:id="rId16"/>
     <p:sldId id="350" r:id="rId17"/>
-    <p:sldId id="323" r:id="rId18"/>
-    <p:sldId id="333" r:id="rId19"/>
-    <p:sldId id="334" r:id="rId20"/>
-    <p:sldId id="337" r:id="rId21"/>
-    <p:sldId id="309" r:id="rId22"/>
+    <p:sldId id="351" r:id="rId18"/>
+    <p:sldId id="323" r:id="rId19"/>
+    <p:sldId id="333" r:id="rId20"/>
+    <p:sldId id="334" r:id="rId21"/>
+    <p:sldId id="337" r:id="rId22"/>
+    <p:sldId id="309" r:id="rId23"/>
   </p:sldIdLst>
   <p:sldSz cx="9144000" cy="5143500" type="screen16x9"/>
   <p:notesSz cx="6858000" cy="9144000"/>
@@ -773,7 +774,7 @@
     </p:spTree>
     <p:extLst>
       <p:ext uri="{BB962C8B-B14F-4D97-AF65-F5344CB8AC3E}">
-        <p14:creationId xmlns:p14="http://schemas.microsoft.com/office/powerpoint/2010/main" val="2709569597"/>
+        <p14:creationId xmlns:p14="http://schemas.microsoft.com/office/powerpoint/2010/main" val="418486605"/>
       </p:ext>
     </p:extLst>
   </p:cSld>
@@ -839,7 +840,7 @@
     </p:spTree>
     <p:extLst>
       <p:ext uri="{BB962C8B-B14F-4D97-AF65-F5344CB8AC3E}">
-        <p14:creationId xmlns:p14="http://schemas.microsoft.com/office/powerpoint/2010/main" val="585304384"/>
+        <p14:creationId xmlns:p14="http://schemas.microsoft.com/office/powerpoint/2010/main" val="2709569597"/>
       </p:ext>
     </p:extLst>
   </p:cSld>
@@ -905,6 +906,72 @@
     </p:spTree>
     <p:extLst>
       <p:ext uri="{BB962C8B-B14F-4D97-AF65-F5344CB8AC3E}">
+        <p14:creationId xmlns:p14="http://schemas.microsoft.com/office/powerpoint/2010/main" val="585304384"/>
+      </p:ext>
+    </p:extLst>
+  </p:cSld>
+  <p:clrMapOvr>
+    <a:masterClrMapping/>
+  </p:clrMapOvr>
+</p:notes>
+</file>
+
+<file path=ppt/notesSlides/notesSlide18.xml><?xml version="1.0" encoding="utf-8"?>
+<p:notes xmlns:a="http://schemas.openxmlformats.org/drawingml/2006/main" xmlns:r="http://schemas.openxmlformats.org/officeDocument/2006/relationships" xmlns:p="http://schemas.openxmlformats.org/presentationml/2006/main">
+  <p:cSld>
+    <p:spTree>
+      <p:nvGrpSpPr>
+        <p:cNvPr id="1" name=""/>
+        <p:cNvGrpSpPr/>
+        <p:nvPr/>
+      </p:nvGrpSpPr>
+      <p:grpSpPr>
+        <a:xfrm>
+          <a:off x="0" y="0"/>
+          <a:ext cx="0" cy="0"/>
+          <a:chOff x="0" y="0"/>
+          <a:chExt cx="0" cy="0"/>
+        </a:xfrm>
+      </p:grpSpPr>
+      <p:sp>
+        <p:nvSpPr>
+          <p:cNvPr id="2" name="Espaço Reservado para Imagem de Slide 1"/>
+          <p:cNvSpPr>
+            <a:spLocks noGrp="1" noRot="1" noChangeAspect="1"/>
+          </p:cNvSpPr>
+          <p:nvPr>
+            <p:ph type="sldImg"/>
+          </p:nvPr>
+        </p:nvSpPr>
+        <p:spPr>
+          <a:xfrm>
+            <a:off x="381000" y="685800"/>
+            <a:ext cx="6096000" cy="3429000"/>
+          </a:xfrm>
+        </p:spPr>
+      </p:sp>
+      <p:sp>
+        <p:nvSpPr>
+          <p:cNvPr id="3" name="Espaço Reservado para Anotações 2"/>
+          <p:cNvSpPr>
+            <a:spLocks noGrp="1"/>
+          </p:cNvSpPr>
+          <p:nvPr>
+            <p:ph type="body" idx="1"/>
+          </p:nvPr>
+        </p:nvSpPr>
+        <p:spPr/>
+        <p:txBody>
+          <a:bodyPr/>
+          <a:lstStyle/>
+          <a:p>
+            <a:endParaRPr lang="pt-BR" dirty="0"/>
+          </a:p>
+        </p:txBody>
+      </p:sp>
+    </p:spTree>
+    <p:extLst>
+      <p:ext uri="{BB962C8B-B14F-4D97-AF65-F5344CB8AC3E}">
         <p14:creationId xmlns:p14="http://schemas.microsoft.com/office/powerpoint/2010/main" val="2296249050"/>
       </p:ext>
     </p:extLst>
@@ -915,7 +982,7 @@
 </p:notes>
 </file>
 
-<file path=ppt/notesSlides/notesSlide18.xml><?xml version="1.0" encoding="utf-8"?>
+<file path=ppt/notesSlides/notesSlide19.xml><?xml version="1.0" encoding="utf-8"?>
 <p:notes xmlns:a="http://schemas.openxmlformats.org/drawingml/2006/main" xmlns:r="http://schemas.openxmlformats.org/officeDocument/2006/relationships" xmlns:p="http://schemas.openxmlformats.org/presentationml/2006/main">
   <p:cSld>
     <p:spTree>
@@ -1648,7 +1715,7 @@
           <a:p>
             <a:fld id="{48A87A34-81AB-432B-8DAE-1953F412C126}" type="datetimeFigureOut">
               <a:rPr lang="en-US" smtClean="0"/>
-              <a:t>5/13/2022</a:t>
+              <a:t>5/14/2022</a:t>
             </a:fld>
             <a:endParaRPr lang="en-US" dirty="0"/>
           </a:p>
@@ -1859,7 +1926,7 @@
           <a:p>
             <a:fld id="{48A87A34-81AB-432B-8DAE-1953F412C126}" type="datetimeFigureOut">
               <a:rPr lang="en-US" smtClean="0"/>
-              <a:t>5/13/2022</a:t>
+              <a:t>5/14/2022</a:t>
             </a:fld>
             <a:endParaRPr lang="en-US" dirty="0"/>
           </a:p>
@@ -2074,7 +2141,7 @@
           <a:p>
             <a:fld id="{48A87A34-81AB-432B-8DAE-1953F412C126}" type="datetimeFigureOut">
               <a:rPr lang="en-US" smtClean="0"/>
-              <a:t>5/13/2022</a:t>
+              <a:t>5/14/2022</a:t>
             </a:fld>
             <a:endParaRPr lang="en-US" dirty="0"/>
           </a:p>
@@ -2442,7 +2509,7 @@
           <a:p>
             <a:fld id="{48A87A34-81AB-432B-8DAE-1953F412C126}" type="datetimeFigureOut">
               <a:rPr lang="en-US" smtClean="0"/>
-              <a:t>5/13/2022</a:t>
+              <a:t>5/14/2022</a:t>
             </a:fld>
             <a:endParaRPr lang="en-US" dirty="0"/>
           </a:p>
@@ -2721,7 +2788,7 @@
           <a:p>
             <a:fld id="{48A87A34-81AB-432B-8DAE-1953F412C126}" type="datetimeFigureOut">
               <a:rPr lang="en-US" smtClean="0"/>
-              <a:t>5/13/2022</a:t>
+              <a:t>5/14/2022</a:t>
             </a:fld>
             <a:endParaRPr lang="en-US" dirty="0"/>
           </a:p>
@@ -2989,7 +3056,7 @@
           <a:p>
             <a:fld id="{48A87A34-81AB-432B-8DAE-1953F412C126}" type="datetimeFigureOut">
               <a:rPr lang="en-US" smtClean="0"/>
-              <a:t>5/13/2022</a:t>
+              <a:t>5/14/2022</a:t>
             </a:fld>
             <a:endParaRPr lang="en-US" dirty="0"/>
           </a:p>
@@ -3405,7 +3472,7 @@
           <a:p>
             <a:fld id="{48A87A34-81AB-432B-8DAE-1953F412C126}" type="datetimeFigureOut">
               <a:rPr lang="en-US" smtClean="0"/>
-              <a:t>5/13/2022</a:t>
+              <a:t>5/14/2022</a:t>
             </a:fld>
             <a:endParaRPr lang="en-US" dirty="0"/>
           </a:p>
@@ -3554,7 +3621,7 @@
           <a:p>
             <a:fld id="{48A87A34-81AB-432B-8DAE-1953F412C126}" type="datetimeFigureOut">
               <a:rPr lang="en-US" smtClean="0"/>
-              <a:t>5/13/2022</a:t>
+              <a:t>5/14/2022</a:t>
             </a:fld>
             <a:endParaRPr lang="en-US" dirty="0"/>
           </a:p>
@@ -3680,7 +3747,7 @@
           <a:p>
             <a:fld id="{48A87A34-81AB-432B-8DAE-1953F412C126}" type="datetimeFigureOut">
               <a:rPr lang="en-US" smtClean="0"/>
-              <a:t>5/13/2022</a:t>
+              <a:t>5/14/2022</a:t>
             </a:fld>
             <a:endParaRPr lang="en-US" dirty="0"/>
           </a:p>
@@ -3931,7 +3998,7 @@
           <a:p>
             <a:fld id="{48A87A34-81AB-432B-8DAE-1953F412C126}" type="datetimeFigureOut">
               <a:rPr lang="en-US" smtClean="0"/>
-              <a:t>5/13/2022</a:t>
+              <a:t>5/14/2022</a:t>
             </a:fld>
             <a:endParaRPr lang="en-US" dirty="0"/>
           </a:p>
@@ -4377,7 +4444,7 @@
             <a:fld id="{48A87A34-81AB-432B-8DAE-1953F412C126}" type="datetimeFigureOut">
               <a:rPr lang="en-US" smtClean="0"/>
               <a:pPr/>
-              <a:t>5/13/2022</a:t>
+              <a:t>5/14/2022</a:t>
             </a:fld>
             <a:endParaRPr lang="en-US" dirty="0"/>
           </a:p>
@@ -4705,7 +4772,7 @@
             <a:fld id="{48A87A34-81AB-432B-8DAE-1953F412C126}" type="datetimeFigureOut">
               <a:rPr lang="en-US" smtClean="0"/>
               <a:pPr/>
-              <a:t>5/13/2022</a:t>
+              <a:t>5/14/2022</a:t>
             </a:fld>
             <a:endParaRPr lang="en-US" dirty="0"/>
           </a:p>
@@ -6038,17 +6105,24 @@
                 <a:latin typeface="Times New Roman" panose="02020603050405020304" pitchFamily="18" charset="0"/>
                 <a:cs typeface="Times New Roman" panose="02020603050405020304" pitchFamily="18" charset="0"/>
               </a:rPr>
-              <a:t>("</a:t>
+              <a:t>(“</a:t>
             </a:r>
             <a:r>
               <a:rPr lang="pt-BR" sz="2400" dirty="0">
-                <a:solidFill>
-                  <a:schemeClr val="tx1"/>
-                </a:solidFill>
-                <a:latin typeface="Times New Roman" panose="02020603050405020304" pitchFamily="18" charset="0"/>
-                <a:cs typeface="Times New Roman" panose="02020603050405020304" pitchFamily="18" charset="0"/>
-              </a:rPr>
-              <a:t>O filho mais novo é </a:t>
+                <a:latin typeface="Times New Roman" panose="02020603050405020304" pitchFamily="18" charset="0"/>
+                <a:cs typeface="Times New Roman" panose="02020603050405020304" pitchFamily="18" charset="0"/>
+              </a:rPr>
+              <a:t>A</a:t>
+            </a:r>
+            <a:r>
+              <a:rPr lang="pt-BR" sz="2400" dirty="0">
+                <a:solidFill>
+                  <a:schemeClr val="tx1"/>
+                </a:solidFill>
+                <a:latin typeface="Times New Roman" panose="02020603050405020304" pitchFamily="18" charset="0"/>
+                <a:cs typeface="Times New Roman" panose="02020603050405020304" pitchFamily="18" charset="0"/>
+              </a:rPr>
+              <a:t> filha mais nova é </a:t>
             </a:r>
             <a:r>
               <a:rPr lang="en-US" sz="2400" dirty="0">
@@ -8465,28 +8539,28 @@
           <a:lstStyle/>
           <a:p>
             <a:r>
+              <a:rPr lang="en-US" b="1" dirty="0">
+                <a:solidFill>
+                  <a:srgbClr val="0070C0"/>
+                </a:solidFill>
+              </a:rPr>
+              <a:t>Python – MODULARIZAÇÃO (</a:t>
+            </a:r>
+            <a:r>
               <a:rPr lang="en-US" b="1" dirty="0" err="1">
                 <a:solidFill>
                   <a:srgbClr val="0070C0"/>
                 </a:solidFill>
               </a:rPr>
-              <a:t>Leitura</a:t>
-            </a:r>
-            <a:r>
-              <a:rPr lang="en-US" b="1" dirty="0">
+              <a:t>Funções</a:t>
+            </a:r>
+            <a:r>
+              <a:rPr lang="en-US" b="1">
                 <a:solidFill>
                   <a:srgbClr val="0070C0"/>
                 </a:solidFill>
               </a:rPr>
-              <a:t> </a:t>
-            </a:r>
-            <a:r>
-              <a:rPr lang="en-US" b="1" dirty="0" err="1">
-                <a:solidFill>
-                  <a:srgbClr val="0070C0"/>
-                </a:solidFill>
-              </a:rPr>
-              <a:t>Específica</a:t>
+              <a:t>)</a:t>
             </a:r>
             <a:endParaRPr lang="en-US" b="1" dirty="0">
               <a:solidFill>
@@ -8508,8 +8582,8 @@
         </p:nvSpPr>
         <p:spPr>
           <a:xfrm>
-            <a:off x="142865" y="1200151"/>
-            <a:ext cx="8865056" cy="3394472"/>
+            <a:off x="142865" y="1112467"/>
+            <a:ext cx="8865056" cy="3935521"/>
           </a:xfrm>
         </p:spPr>
         <p:txBody>
@@ -8521,7 +8595,40 @@
             <a:pPr marL="0" indent="0" algn="just">
               <a:buNone/>
             </a:pPr>
-            <a:endParaRPr lang="pt-BR" dirty="0">
+            <a:r>
+              <a:rPr lang="pt-BR" sz="3600" b="1" dirty="0">
+                <a:solidFill>
+                  <a:srgbClr val="FF0000"/>
+                </a:solidFill>
+                <a:latin typeface="Times New Roman" panose="02020603050405020304" pitchFamily="18" charset="0"/>
+                <a:cs typeface="Times New Roman" panose="02020603050405020304" pitchFamily="18" charset="0"/>
+              </a:rPr>
+              <a:t>Exemplo</a:t>
+            </a:r>
+            <a:r>
+              <a:rPr lang="pt-BR" sz="3600" dirty="0">
+                <a:solidFill>
+                  <a:schemeClr val="tx1"/>
+                </a:solidFill>
+                <a:latin typeface="Times New Roman" panose="02020603050405020304" pitchFamily="18" charset="0"/>
+                <a:cs typeface="Times New Roman" panose="02020603050405020304" pitchFamily="18" charset="0"/>
+              </a:rPr>
+              <a:t>: </a:t>
+            </a:r>
+            <a:r>
+              <a:rPr lang="pt-BR" sz="3600" b="1" dirty="0">
+                <a:solidFill>
+                  <a:schemeClr val="tx1"/>
+                </a:solidFill>
+                <a:latin typeface="Times New Roman" panose="02020603050405020304" pitchFamily="18" charset="0"/>
+                <a:cs typeface="Times New Roman" panose="02020603050405020304" pitchFamily="18" charset="0"/>
+              </a:rPr>
+              <a:t>Função Recursão</a:t>
+            </a:r>
+            <a:endParaRPr lang="pt-BR" sz="3600" dirty="0">
+              <a:solidFill>
+                <a:schemeClr val="tx1"/>
+              </a:solidFill>
               <a:latin typeface="Times New Roman" panose="02020603050405020304" pitchFamily="18" charset="0"/>
               <a:cs typeface="Times New Roman" panose="02020603050405020304" pitchFamily="18" charset="0"/>
             </a:endParaRPr>
@@ -8530,34 +8637,7 @@
             <a:pPr marL="0" indent="0" algn="just">
               <a:buNone/>
             </a:pPr>
-            <a:r>
-              <a:rPr lang="pt-BR" dirty="0">
-                <a:latin typeface="Times New Roman" panose="02020603050405020304" pitchFamily="18" charset="0"/>
-                <a:cs typeface="Times New Roman" panose="02020603050405020304" pitchFamily="18" charset="0"/>
-              </a:rPr>
-              <a:t>[1] Site:</a:t>
-            </a:r>
-          </a:p>
-          <a:p>
-            <a:pPr marL="0" indent="0" algn="just">
-              <a:buNone/>
-            </a:pPr>
-            <a:r>
-              <a:rPr lang="pt-BR" dirty="0">
-                <a:latin typeface="Times New Roman" panose="02020603050405020304" pitchFamily="18" charset="0"/>
-                <a:cs typeface="Times New Roman" panose="02020603050405020304" pitchFamily="18" charset="0"/>
-              </a:rPr>
-              <a:t> </a:t>
-            </a:r>
-            <a:r>
-              <a:rPr lang="pt-BR" dirty="0">
-                <a:latin typeface="Times New Roman" panose="02020603050405020304" pitchFamily="18" charset="0"/>
-                <a:cs typeface="Times New Roman" panose="02020603050405020304" pitchFamily="18" charset="0"/>
-                <a:hlinkClick r:id="rId3"/>
-              </a:rPr>
-              <a:t>https://www.w3schools.com/python/python_functions.asp</a:t>
-            </a:r>
-            <a:endParaRPr lang="pt-BR" dirty="0">
+            <a:endParaRPr lang="pt-BR" sz="3600" b="1" dirty="0">
               <a:latin typeface="Times New Roman" panose="02020603050405020304" pitchFamily="18" charset="0"/>
               <a:cs typeface="Times New Roman" panose="02020603050405020304" pitchFamily="18" charset="0"/>
             </a:endParaRPr>
@@ -8566,7 +8646,15 @@
             <a:pPr marL="0" indent="0" algn="just">
               <a:buNone/>
             </a:pPr>
-            <a:endParaRPr lang="pt-BR" dirty="0">
+            <a:r>
+              <a:rPr lang="en-US" sz="3600" dirty="0">
+                <a:latin typeface="Times New Roman" panose="02020603050405020304" pitchFamily="18" charset="0"/>
+                <a:cs typeface="Times New Roman" panose="02020603050405020304" pitchFamily="18" charset="0"/>
+                <a:hlinkClick r:id="rId3"/>
+              </a:rPr>
+              <a:t>https://www.cs.usfca.edu/~galles/visualization/Algorithms.html</a:t>
+            </a:r>
+            <a:endParaRPr lang="en-US" sz="3600" dirty="0">
               <a:latin typeface="Times New Roman" panose="02020603050405020304" pitchFamily="18" charset="0"/>
               <a:cs typeface="Times New Roman" panose="02020603050405020304" pitchFamily="18" charset="0"/>
             </a:endParaRPr>
@@ -8575,43 +8663,17 @@
             <a:pPr marL="0" indent="0" algn="just">
               <a:buNone/>
             </a:pPr>
-            <a:endParaRPr lang="pt-BR" dirty="0">
+            <a:endParaRPr lang="en-US" sz="3600" dirty="0">
               <a:latin typeface="Times New Roman" panose="02020603050405020304" pitchFamily="18" charset="0"/>
               <a:cs typeface="Times New Roman" panose="02020603050405020304" pitchFamily="18" charset="0"/>
             </a:endParaRPr>
           </a:p>
-          <a:p>
-            <a:pPr marL="0" indent="0" algn="just">
-              <a:buNone/>
-            </a:pPr>
-            <a:endParaRPr lang="pt-BR" dirty="0">
-              <a:latin typeface="Times New Roman" panose="02020603050405020304" pitchFamily="18" charset="0"/>
-              <a:cs typeface="Times New Roman" panose="02020603050405020304" pitchFamily="18" charset="0"/>
-            </a:endParaRPr>
-          </a:p>
-          <a:p>
-            <a:pPr marL="0" indent="0" algn="just">
-              <a:buNone/>
-            </a:pPr>
-            <a:endParaRPr lang="pt-BR" dirty="0">
-              <a:latin typeface="Times New Roman" panose="02020603050405020304" pitchFamily="18" charset="0"/>
-              <a:cs typeface="Times New Roman" panose="02020603050405020304" pitchFamily="18" charset="0"/>
-            </a:endParaRPr>
-          </a:p>
-          <a:p>
-            <a:pPr marL="0" indent="0" algn="just">
-              <a:buNone/>
-            </a:pPr>
-            <a:endParaRPr lang="pt-BR" dirty="0">
-              <a:latin typeface="Calibri" panose="020F0502020204030204" pitchFamily="34" charset="0"/>
-            </a:endParaRPr>
-          </a:p>
         </p:txBody>
       </p:sp>
     </p:spTree>
     <p:extLst>
       <p:ext uri="{BB962C8B-B14F-4D97-AF65-F5344CB8AC3E}">
-        <p14:creationId xmlns:p14="http://schemas.microsoft.com/office/powerpoint/2010/main" val="2747596967"/>
+        <p14:creationId xmlns:p14="http://schemas.microsoft.com/office/powerpoint/2010/main" val="3136172884"/>
       </p:ext>
     </p:extLst>
   </p:cSld>
@@ -8662,7 +8724,7 @@
                   <a:srgbClr val="0070C0"/>
                 </a:solidFill>
               </a:rPr>
-              <a:t>Aprenda</a:t>
+              <a:t>Leitura</a:t>
             </a:r>
             <a:r>
               <a:rPr lang="en-US" b="1" dirty="0">
@@ -8670,8 +8732,21 @@
                   <a:srgbClr val="0070C0"/>
                 </a:solidFill>
               </a:rPr>
-              <a:t>+</a:t>
-            </a:r>
+              <a:t> </a:t>
+            </a:r>
+            <a:r>
+              <a:rPr lang="en-US" b="1" dirty="0" err="1">
+                <a:solidFill>
+                  <a:srgbClr val="0070C0"/>
+                </a:solidFill>
+              </a:rPr>
+              <a:t>Específica</a:t>
+            </a:r>
+            <a:endParaRPr lang="en-US" b="1" dirty="0">
+              <a:solidFill>
+                <a:srgbClr val="0070C0"/>
+              </a:solidFill>
+            </a:endParaRPr>
           </a:p>
         </p:txBody>
       </p:sp>
@@ -8714,15 +8789,27 @@
                 <a:latin typeface="Times New Roman" panose="02020603050405020304" pitchFamily="18" charset="0"/>
                 <a:cs typeface="Times New Roman" panose="02020603050405020304" pitchFamily="18" charset="0"/>
               </a:rPr>
-              <a:t>[1] </a:t>
-            </a:r>
+              <a:t>[1] Site:</a:t>
+            </a:r>
+          </a:p>
+          <a:p>
+            <a:pPr marL="0" indent="0" algn="just">
+              <a:buNone/>
+            </a:pPr>
             <a:r>
               <a:rPr lang="pt-BR" dirty="0">
                 <a:latin typeface="Times New Roman" panose="02020603050405020304" pitchFamily="18" charset="0"/>
                 <a:cs typeface="Times New Roman" panose="02020603050405020304" pitchFamily="18" charset="0"/>
+              </a:rPr>
+              <a:t> </a:t>
+            </a:r>
+            <a:r>
+              <a:rPr lang="pt-BR" dirty="0">
+                <a:latin typeface="Times New Roman" panose="02020603050405020304" pitchFamily="18" charset="0"/>
+                <a:cs typeface="Times New Roman" panose="02020603050405020304" pitchFamily="18" charset="0"/>
                 <a:hlinkClick r:id="rId3"/>
               </a:rPr>
-              <a:t>https://www.youtube.com/watch?v=u-OmVr_fT4s</a:t>
+              <a:t>https://www.w3schools.com/python/python_functions.asp</a:t>
             </a:r>
             <a:endParaRPr lang="pt-BR" dirty="0">
               <a:latin typeface="Times New Roman" panose="02020603050405020304" pitchFamily="18" charset="0"/>
@@ -8752,6 +8839,24 @@
               <a:buNone/>
             </a:pPr>
             <a:endParaRPr lang="pt-BR" dirty="0">
+              <a:latin typeface="Times New Roman" panose="02020603050405020304" pitchFamily="18" charset="0"/>
+              <a:cs typeface="Times New Roman" panose="02020603050405020304" pitchFamily="18" charset="0"/>
+            </a:endParaRPr>
+          </a:p>
+          <a:p>
+            <a:pPr marL="0" indent="0" algn="just">
+              <a:buNone/>
+            </a:pPr>
+            <a:endParaRPr lang="pt-BR" dirty="0">
+              <a:latin typeface="Times New Roman" panose="02020603050405020304" pitchFamily="18" charset="0"/>
+              <a:cs typeface="Times New Roman" panose="02020603050405020304" pitchFamily="18" charset="0"/>
+            </a:endParaRPr>
+          </a:p>
+          <a:p>
+            <a:pPr marL="0" indent="0" algn="just">
+              <a:buNone/>
+            </a:pPr>
+            <a:endParaRPr lang="pt-BR" dirty="0">
               <a:latin typeface="Calibri" panose="020F0502020204030204" pitchFamily="34" charset="0"/>
             </a:endParaRPr>
           </a:p>
@@ -8760,7 +8865,7 @@
     </p:spTree>
     <p:extLst>
       <p:ext uri="{BB962C8B-B14F-4D97-AF65-F5344CB8AC3E}">
-        <p14:creationId xmlns:p14="http://schemas.microsoft.com/office/powerpoint/2010/main" val="3680270425"/>
+        <p14:creationId xmlns:p14="http://schemas.microsoft.com/office/powerpoint/2010/main" val="2747596967"/>
       </p:ext>
     </p:extLst>
   </p:cSld>
@@ -8811,7 +8916,7 @@
                   <a:srgbClr val="0070C0"/>
                 </a:solidFill>
               </a:rPr>
-              <a:t>Dinâmica</a:t>
+              <a:t>Aprenda</a:t>
             </a:r>
             <a:r>
               <a:rPr lang="en-US" b="1" dirty="0">
@@ -8819,21 +8924,8 @@
                   <a:srgbClr val="0070C0"/>
                 </a:solidFill>
               </a:rPr>
-              <a:t>/</a:t>
-            </a:r>
-            <a:r>
-              <a:rPr lang="en-US" b="1" dirty="0" err="1">
-                <a:solidFill>
-                  <a:srgbClr val="0070C0"/>
-                </a:solidFill>
-              </a:rPr>
-              <a:t>Atividades</a:t>
-            </a:r>
-            <a:endParaRPr lang="en-US" b="1" dirty="0">
-              <a:solidFill>
-                <a:srgbClr val="0070C0"/>
-              </a:solidFill>
-            </a:endParaRPr>
+              <a:t>+</a:t>
+            </a:r>
           </a:p>
         </p:txBody>
       </p:sp>
@@ -8849,8 +8941,8 @@
         </p:nvSpPr>
         <p:spPr>
           <a:xfrm>
-            <a:off x="139472" y="1063230"/>
-            <a:ext cx="8865056" cy="3606305"/>
+            <a:off x="142865" y="1200151"/>
+            <a:ext cx="8865056" cy="3394472"/>
           </a:xfrm>
         </p:spPr>
         <p:txBody>
@@ -8859,36 +8951,70 @@
           </a:bodyPr>
           <a:lstStyle/>
           <a:p>
-            <a:pPr algn="just">
-              <a:buFontTx/>
-              <a:buChar char="-"/>
+            <a:pPr marL="0" indent="0" algn="just">
+              <a:buNone/>
             </a:pPr>
+            <a:endParaRPr lang="pt-BR" dirty="0">
+              <a:latin typeface="Times New Roman" panose="02020603050405020304" pitchFamily="18" charset="0"/>
+              <a:cs typeface="Times New Roman" panose="02020603050405020304" pitchFamily="18" charset="0"/>
+            </a:endParaRPr>
+          </a:p>
+          <a:p>
+            <a:pPr marL="0" indent="0" algn="just">
+              <a:buNone/>
+            </a:pPr>
             <a:r>
               <a:rPr lang="pt-BR" dirty="0">
                 <a:latin typeface="Times New Roman" panose="02020603050405020304" pitchFamily="18" charset="0"/>
                 <a:cs typeface="Times New Roman" panose="02020603050405020304" pitchFamily="18" charset="0"/>
               </a:rPr>
-              <a:t>Exercícios de Fixação</a:t>
-            </a:r>
+              <a:t>[1] </a:t>
+            </a:r>
+            <a:r>
+              <a:rPr lang="pt-BR" dirty="0">
+                <a:latin typeface="Times New Roman" panose="02020603050405020304" pitchFamily="18" charset="0"/>
+                <a:cs typeface="Times New Roman" panose="02020603050405020304" pitchFamily="18" charset="0"/>
+                <a:hlinkClick r:id="rId3"/>
+              </a:rPr>
+              <a:t>https://www.youtube.com/watch?v=u-OmVr_fT4s</a:t>
+            </a:r>
+            <a:endParaRPr lang="pt-BR" dirty="0">
+              <a:latin typeface="Times New Roman" panose="02020603050405020304" pitchFamily="18" charset="0"/>
+              <a:cs typeface="Times New Roman" panose="02020603050405020304" pitchFamily="18" charset="0"/>
+            </a:endParaRPr>
           </a:p>
           <a:p>
             <a:pPr marL="0" indent="0" algn="just">
               <a:buNone/>
             </a:pPr>
-            <a:r>
-              <a:rPr lang="pt-BR" dirty="0">
-                <a:latin typeface="Times New Roman" panose="02020603050405020304" pitchFamily="18" charset="0"/>
-                <a:cs typeface="Times New Roman" panose="02020603050405020304" pitchFamily="18" charset="0"/>
-              </a:rPr>
-              <a:t>	Desafios em Sala de Aula.</a:t>
-            </a:r>
+            <a:endParaRPr lang="pt-BR" dirty="0">
+              <a:latin typeface="Times New Roman" panose="02020603050405020304" pitchFamily="18" charset="0"/>
+              <a:cs typeface="Times New Roman" panose="02020603050405020304" pitchFamily="18" charset="0"/>
+            </a:endParaRPr>
+          </a:p>
+          <a:p>
+            <a:pPr marL="0" indent="0" algn="just">
+              <a:buNone/>
+            </a:pPr>
+            <a:endParaRPr lang="pt-BR" dirty="0">
+              <a:latin typeface="Times New Roman" panose="02020603050405020304" pitchFamily="18" charset="0"/>
+              <a:cs typeface="Times New Roman" panose="02020603050405020304" pitchFamily="18" charset="0"/>
+            </a:endParaRPr>
+          </a:p>
+          <a:p>
+            <a:pPr marL="0" indent="0" algn="just">
+              <a:buNone/>
+            </a:pPr>
+            <a:endParaRPr lang="pt-BR" dirty="0">
+              <a:latin typeface="Calibri" panose="020F0502020204030204" pitchFamily="34" charset="0"/>
+            </a:endParaRPr>
           </a:p>
         </p:txBody>
       </p:sp>
     </p:spTree>
     <p:extLst>
       <p:ext uri="{BB962C8B-B14F-4D97-AF65-F5344CB8AC3E}">
-        <p14:creationId xmlns:p14="http://schemas.microsoft.com/office/powerpoint/2010/main" val="2470652989"/>
+        <p14:creationId xmlns:p14="http://schemas.microsoft.com/office/powerpoint/2010/main" val="3680270425"/>
       </p:ext>
     </p:extLst>
   </p:cSld>
@@ -9405,6 +9531,134 @@
                   <a:srgbClr val="0070C0"/>
                 </a:solidFill>
               </a:rPr>
+              <a:t>Dinâmica</a:t>
+            </a:r>
+            <a:r>
+              <a:rPr lang="en-US" b="1" dirty="0">
+                <a:solidFill>
+                  <a:srgbClr val="0070C0"/>
+                </a:solidFill>
+              </a:rPr>
+              <a:t>/</a:t>
+            </a:r>
+            <a:r>
+              <a:rPr lang="en-US" b="1" dirty="0" err="1">
+                <a:solidFill>
+                  <a:srgbClr val="0070C0"/>
+                </a:solidFill>
+              </a:rPr>
+              <a:t>Atividades</a:t>
+            </a:r>
+            <a:endParaRPr lang="en-US" b="1" dirty="0">
+              <a:solidFill>
+                <a:srgbClr val="0070C0"/>
+              </a:solidFill>
+            </a:endParaRPr>
+          </a:p>
+        </p:txBody>
+      </p:sp>
+      <p:sp>
+        <p:nvSpPr>
+          <p:cNvPr id="8" name="Text Placeholder 2"/>
+          <p:cNvSpPr>
+            <a:spLocks noGrp="1"/>
+          </p:cNvSpPr>
+          <p:nvPr>
+            <p:ph type="body" sz="half" idx="1"/>
+          </p:nvPr>
+        </p:nvSpPr>
+        <p:spPr>
+          <a:xfrm>
+            <a:off x="139472" y="1063230"/>
+            <a:ext cx="8865056" cy="3606305"/>
+          </a:xfrm>
+        </p:spPr>
+        <p:txBody>
+          <a:bodyPr>
+            <a:noAutofit/>
+          </a:bodyPr>
+          <a:lstStyle/>
+          <a:p>
+            <a:pPr algn="just">
+              <a:buFontTx/>
+              <a:buChar char="-"/>
+            </a:pPr>
+            <a:r>
+              <a:rPr lang="pt-BR" dirty="0">
+                <a:latin typeface="Times New Roman" panose="02020603050405020304" pitchFamily="18" charset="0"/>
+                <a:cs typeface="Times New Roman" panose="02020603050405020304" pitchFamily="18" charset="0"/>
+              </a:rPr>
+              <a:t>Exercícios de Fixação</a:t>
+            </a:r>
+          </a:p>
+          <a:p>
+            <a:pPr marL="0" indent="0" algn="just">
+              <a:buNone/>
+            </a:pPr>
+            <a:r>
+              <a:rPr lang="pt-BR" dirty="0">
+                <a:latin typeface="Times New Roman" panose="02020603050405020304" pitchFamily="18" charset="0"/>
+                <a:cs typeface="Times New Roman" panose="02020603050405020304" pitchFamily="18" charset="0"/>
+              </a:rPr>
+              <a:t>	Desafios em Sala de Aula.</a:t>
+            </a:r>
+          </a:p>
+        </p:txBody>
+      </p:sp>
+    </p:spTree>
+    <p:extLst>
+      <p:ext uri="{BB962C8B-B14F-4D97-AF65-F5344CB8AC3E}">
+        <p14:creationId xmlns:p14="http://schemas.microsoft.com/office/powerpoint/2010/main" val="2470652989"/>
+      </p:ext>
+    </p:extLst>
+  </p:cSld>
+  <p:clrMapOvr>
+    <a:masterClrMapping/>
+  </p:clrMapOvr>
+  <p:transition spd="med"/>
+</p:sld>
+</file>
+
+<file path=ppt/slides/slide21.xml><?xml version="1.0" encoding="utf-8"?>
+<p:sld xmlns:a="http://schemas.openxmlformats.org/drawingml/2006/main" xmlns:r="http://schemas.openxmlformats.org/officeDocument/2006/relationships" xmlns:p="http://schemas.openxmlformats.org/presentationml/2006/main">
+  <p:cSld>
+    <p:spTree>
+      <p:nvGrpSpPr>
+        <p:cNvPr id="1" name=""/>
+        <p:cNvGrpSpPr/>
+        <p:nvPr/>
+      </p:nvGrpSpPr>
+      <p:grpSpPr>
+        <a:xfrm>
+          <a:off x="0" y="0"/>
+          <a:ext cx="0" cy="0"/>
+          <a:chOff x="0" y="0"/>
+          <a:chExt cx="0" cy="0"/>
+        </a:xfrm>
+      </p:grpSpPr>
+      <p:sp>
+        <p:nvSpPr>
+          <p:cNvPr id="6" name="Title 1"/>
+          <p:cNvSpPr>
+            <a:spLocks noGrp="1"/>
+          </p:cNvSpPr>
+          <p:nvPr>
+            <p:ph type="title"/>
+          </p:nvPr>
+        </p:nvSpPr>
+        <p:spPr/>
+        <p:txBody>
+          <a:bodyPr>
+            <a:normAutofit/>
+          </a:bodyPr>
+          <a:lstStyle/>
+          <a:p>
+            <a:r>
+              <a:rPr lang="en-US" b="1" dirty="0" err="1">
+                <a:solidFill>
+                  <a:srgbClr val="0070C0"/>
+                </a:solidFill>
+              </a:rPr>
               <a:t>Referências</a:t>
             </a:r>
             <a:r>
@@ -9566,7 +9820,7 @@
 </p:sld>
 </file>
 
-<file path=ppt/slides/slide21.xml><?xml version="1.0" encoding="utf-8"?>
+<file path=ppt/slides/slide22.xml><?xml version="1.0" encoding="utf-8"?>
 <p:sld xmlns:a="http://schemas.openxmlformats.org/drawingml/2006/main" xmlns:r="http://schemas.openxmlformats.org/officeDocument/2006/relationships" xmlns:p="http://schemas.openxmlformats.org/presentationml/2006/main">
   <p:cSld>
     <p:spTree>
@@ -10115,7 +10369,27 @@
                 <a:latin typeface="Times New Roman" panose="02020603050405020304" pitchFamily="18" charset="0"/>
                 <a:cs typeface="Times New Roman" panose="02020603050405020304" pitchFamily="18" charset="0"/>
               </a:rPr>
-              <a:t>Uma função é um bloco de código que só é executado quando é chamado.</a:t>
+              <a:t>Uma função é um </a:t>
+            </a:r>
+            <a:r>
+              <a:rPr lang="pt-BR" sz="2400" b="1" dirty="0">
+                <a:solidFill>
+                  <a:srgbClr val="FF0000"/>
+                </a:solidFill>
+                <a:latin typeface="Times New Roman" panose="02020603050405020304" pitchFamily="18" charset="0"/>
+                <a:cs typeface="Times New Roman" panose="02020603050405020304" pitchFamily="18" charset="0"/>
+              </a:rPr>
+              <a:t>bloco de código </a:t>
+            </a:r>
+            <a:r>
+              <a:rPr lang="pt-BR" sz="2400" dirty="0">
+                <a:solidFill>
+                  <a:schemeClr val="tx1"/>
+                </a:solidFill>
+                <a:latin typeface="Times New Roman" panose="02020603050405020304" pitchFamily="18" charset="0"/>
+                <a:cs typeface="Times New Roman" panose="02020603050405020304" pitchFamily="18" charset="0"/>
+              </a:rPr>
+              <a:t>que só é executado quando é chamado.</a:t>
             </a:r>
           </a:p>
           <a:p>
@@ -10142,7 +10416,47 @@
                 <a:latin typeface="Times New Roman" panose="02020603050405020304" pitchFamily="18" charset="0"/>
                 <a:cs typeface="Times New Roman" panose="02020603050405020304" pitchFamily="18" charset="0"/>
               </a:rPr>
-              <a:t>Você pode passar dados, conhecidos como parâmetros, para uma função.</a:t>
+              <a:t>Você pode </a:t>
+            </a:r>
+            <a:r>
+              <a:rPr lang="pt-BR" sz="2400" b="1" dirty="0">
+                <a:solidFill>
+                  <a:srgbClr val="FF0000"/>
+                </a:solidFill>
+                <a:latin typeface="Times New Roman" panose="02020603050405020304" pitchFamily="18" charset="0"/>
+                <a:cs typeface="Times New Roman" panose="02020603050405020304" pitchFamily="18" charset="0"/>
+              </a:rPr>
+              <a:t>passar</a:t>
+            </a:r>
+            <a:r>
+              <a:rPr lang="pt-BR" sz="2400" dirty="0">
+                <a:solidFill>
+                  <a:schemeClr val="tx1"/>
+                </a:solidFill>
+                <a:latin typeface="Times New Roman" panose="02020603050405020304" pitchFamily="18" charset="0"/>
+                <a:cs typeface="Times New Roman" panose="02020603050405020304" pitchFamily="18" charset="0"/>
+              </a:rPr>
+              <a:t> dados, conhecidos como </a:t>
+            </a:r>
+            <a:r>
+              <a:rPr lang="pt-BR" sz="2400" b="1" dirty="0">
+                <a:solidFill>
+                  <a:srgbClr val="FF0000"/>
+                </a:solidFill>
+                <a:latin typeface="Times New Roman" panose="02020603050405020304" pitchFamily="18" charset="0"/>
+                <a:cs typeface="Times New Roman" panose="02020603050405020304" pitchFamily="18" charset="0"/>
+              </a:rPr>
+              <a:t>parâmetros</a:t>
+            </a:r>
+            <a:r>
+              <a:rPr lang="pt-BR" sz="2400" dirty="0">
+                <a:solidFill>
+                  <a:schemeClr val="tx1"/>
+                </a:solidFill>
+                <a:latin typeface="Times New Roman" panose="02020603050405020304" pitchFamily="18" charset="0"/>
+                <a:cs typeface="Times New Roman" panose="02020603050405020304" pitchFamily="18" charset="0"/>
+              </a:rPr>
+              <a:t>, para uma função.</a:t>
             </a:r>
           </a:p>
           <a:p>
@@ -10169,7 +10483,47 @@
                 <a:latin typeface="Times New Roman" panose="02020603050405020304" pitchFamily="18" charset="0"/>
                 <a:cs typeface="Times New Roman" panose="02020603050405020304" pitchFamily="18" charset="0"/>
               </a:rPr>
-              <a:t>Uma função pode retornar dados como resultado.</a:t>
+              <a:t>Uma função pode </a:t>
+            </a:r>
+            <a:r>
+              <a:rPr lang="pt-BR" sz="2400" b="1" dirty="0">
+                <a:solidFill>
+                  <a:srgbClr val="FF0000"/>
+                </a:solidFill>
+                <a:latin typeface="Times New Roman" panose="02020603050405020304" pitchFamily="18" charset="0"/>
+                <a:cs typeface="Times New Roman" panose="02020603050405020304" pitchFamily="18" charset="0"/>
+              </a:rPr>
+              <a:t>retornar</a:t>
+            </a:r>
+            <a:r>
+              <a:rPr lang="pt-BR" sz="2400" dirty="0">
+                <a:solidFill>
+                  <a:schemeClr val="tx1"/>
+                </a:solidFill>
+                <a:latin typeface="Times New Roman" panose="02020603050405020304" pitchFamily="18" charset="0"/>
+                <a:cs typeface="Times New Roman" panose="02020603050405020304" pitchFamily="18" charset="0"/>
+              </a:rPr>
+              <a:t> </a:t>
+            </a:r>
+            <a:r>
+              <a:rPr lang="pt-BR" sz="2400" b="1" dirty="0">
+                <a:solidFill>
+                  <a:srgbClr val="FF0000"/>
+                </a:solidFill>
+                <a:latin typeface="Times New Roman" panose="02020603050405020304" pitchFamily="18" charset="0"/>
+                <a:cs typeface="Times New Roman" panose="02020603050405020304" pitchFamily="18" charset="0"/>
+              </a:rPr>
+              <a:t>dados</a:t>
+            </a:r>
+            <a:r>
+              <a:rPr lang="pt-BR" sz="2400" dirty="0">
+                <a:solidFill>
+                  <a:schemeClr val="tx1"/>
+                </a:solidFill>
+                <a:latin typeface="Times New Roman" panose="02020603050405020304" pitchFamily="18" charset="0"/>
+                <a:cs typeface="Times New Roman" panose="02020603050405020304" pitchFamily="18" charset="0"/>
+              </a:rPr>
+              <a:t> como resultado.</a:t>
             </a:r>
           </a:p>
         </p:txBody>
@@ -10580,9 +10934,6 @@
             </a:r>
             <a:r>
               <a:rPr lang="en-US" sz="2400" b="1" dirty="0" err="1">
-                <a:solidFill>
-                  <a:srgbClr val="FF0000"/>
-                </a:solidFill>
                 <a:latin typeface="Times New Roman" panose="02020603050405020304" pitchFamily="18" charset="0"/>
                 <a:cs typeface="Times New Roman" panose="02020603050405020304" pitchFamily="18" charset="0"/>
               </a:rPr>
@@ -10590,9 +10941,6 @@
             </a:r>
             <a:r>
               <a:rPr lang="en-US" sz="2400" b="1" dirty="0">
-                <a:solidFill>
-                  <a:srgbClr val="FF0000"/>
-                </a:solidFill>
                 <a:latin typeface="Times New Roman" panose="02020603050405020304" pitchFamily="18" charset="0"/>
                 <a:cs typeface="Times New Roman" panose="02020603050405020304" pitchFamily="18" charset="0"/>
               </a:rPr>
@@ -10600,18 +10948,12 @@
             </a:r>
             <a:r>
               <a:rPr lang="en-US" sz="2400" b="1" dirty="0" err="1">
-                <a:solidFill>
-                  <a:srgbClr val="FF0000"/>
-                </a:solidFill>
                 <a:latin typeface="Times New Roman" panose="02020603050405020304" pitchFamily="18" charset="0"/>
                 <a:cs typeface="Times New Roman" panose="02020603050405020304" pitchFamily="18" charset="0"/>
               </a:rPr>
               <a:t>função</a:t>
             </a:r>
             <a:endParaRPr lang="pt-BR" sz="2400" b="1" dirty="0">
-              <a:solidFill>
-                <a:srgbClr val="FF0000"/>
-              </a:solidFill>
               <a:latin typeface="Times New Roman" panose="02020603050405020304" pitchFamily="18" charset="0"/>
               <a:cs typeface="Times New Roman" panose="02020603050405020304" pitchFamily="18" charset="0"/>
             </a:endParaRPr>
@@ -11892,11 +12234,14 @@
               <a:t>: </a:t>
             </a:r>
             <a:r>
-              <a:rPr lang="en-US" sz="2400" dirty="0" err="1">
-                <a:latin typeface="Times New Roman" panose="02020603050405020304" pitchFamily="18" charset="0"/>
-                <a:cs typeface="Times New Roman" panose="02020603050405020304" pitchFamily="18" charset="0"/>
-              </a:rPr>
-              <a:t>my_function</a:t>
+              <a:rPr lang="en-US" sz="2400" b="1" dirty="0" err="1">
+                <a:solidFill>
+                  <a:srgbClr val="FF0000"/>
+                </a:solidFill>
+                <a:latin typeface="Times New Roman" panose="02020603050405020304" pitchFamily="18" charset="0"/>
+                <a:cs typeface="Times New Roman" panose="02020603050405020304" pitchFamily="18" charset="0"/>
+              </a:rPr>
+              <a:t>imprimeNome</a:t>
             </a:r>
             <a:r>
               <a:rPr lang="en-US" sz="2400" dirty="0">

--- a/01 Classes/Aula 08 Programação Python - Modularização Funções.pptx
+++ b/01 Classes/Aula 08 Programação Python - Modularização Funções.pptx
@@ -1715,7 +1715,7 @@
           <a:p>
             <a:fld id="{48A87A34-81AB-432B-8DAE-1953F412C126}" type="datetimeFigureOut">
               <a:rPr lang="en-US" smtClean="0"/>
-              <a:t>5/14/2022</a:t>
+              <a:t>9/6/2023</a:t>
             </a:fld>
             <a:endParaRPr lang="en-US" dirty="0"/>
           </a:p>
@@ -1926,7 +1926,7 @@
           <a:p>
             <a:fld id="{48A87A34-81AB-432B-8DAE-1953F412C126}" type="datetimeFigureOut">
               <a:rPr lang="en-US" smtClean="0"/>
-              <a:t>5/14/2022</a:t>
+              <a:t>9/6/2023</a:t>
             </a:fld>
             <a:endParaRPr lang="en-US" dirty="0"/>
           </a:p>
@@ -2141,7 +2141,7 @@
           <a:p>
             <a:fld id="{48A87A34-81AB-432B-8DAE-1953F412C126}" type="datetimeFigureOut">
               <a:rPr lang="en-US" smtClean="0"/>
-              <a:t>5/14/2022</a:t>
+              <a:t>9/6/2023</a:t>
             </a:fld>
             <a:endParaRPr lang="en-US" dirty="0"/>
           </a:p>
@@ -2509,7 +2509,7 @@
           <a:p>
             <a:fld id="{48A87A34-81AB-432B-8DAE-1953F412C126}" type="datetimeFigureOut">
               <a:rPr lang="en-US" smtClean="0"/>
-              <a:t>5/14/2022</a:t>
+              <a:t>9/6/2023</a:t>
             </a:fld>
             <a:endParaRPr lang="en-US" dirty="0"/>
           </a:p>
@@ -2788,7 +2788,7 @@
           <a:p>
             <a:fld id="{48A87A34-81AB-432B-8DAE-1953F412C126}" type="datetimeFigureOut">
               <a:rPr lang="en-US" smtClean="0"/>
-              <a:t>5/14/2022</a:t>
+              <a:t>9/6/2023</a:t>
             </a:fld>
             <a:endParaRPr lang="en-US" dirty="0"/>
           </a:p>
@@ -3056,7 +3056,7 @@
           <a:p>
             <a:fld id="{48A87A34-81AB-432B-8DAE-1953F412C126}" type="datetimeFigureOut">
               <a:rPr lang="en-US" smtClean="0"/>
-              <a:t>5/14/2022</a:t>
+              <a:t>9/6/2023</a:t>
             </a:fld>
             <a:endParaRPr lang="en-US" dirty="0"/>
           </a:p>
@@ -3472,7 +3472,7 @@
           <a:p>
             <a:fld id="{48A87A34-81AB-432B-8DAE-1953F412C126}" type="datetimeFigureOut">
               <a:rPr lang="en-US" smtClean="0"/>
-              <a:t>5/14/2022</a:t>
+              <a:t>9/6/2023</a:t>
             </a:fld>
             <a:endParaRPr lang="en-US" dirty="0"/>
           </a:p>
@@ -3621,7 +3621,7 @@
           <a:p>
             <a:fld id="{48A87A34-81AB-432B-8DAE-1953F412C126}" type="datetimeFigureOut">
               <a:rPr lang="en-US" smtClean="0"/>
-              <a:t>5/14/2022</a:t>
+              <a:t>9/6/2023</a:t>
             </a:fld>
             <a:endParaRPr lang="en-US" dirty="0"/>
           </a:p>
@@ -3747,7 +3747,7 @@
           <a:p>
             <a:fld id="{48A87A34-81AB-432B-8DAE-1953F412C126}" type="datetimeFigureOut">
               <a:rPr lang="en-US" smtClean="0"/>
-              <a:t>5/14/2022</a:t>
+              <a:t>9/6/2023</a:t>
             </a:fld>
             <a:endParaRPr lang="en-US" dirty="0"/>
           </a:p>
@@ -3998,7 +3998,7 @@
           <a:p>
             <a:fld id="{48A87A34-81AB-432B-8DAE-1953F412C126}" type="datetimeFigureOut">
               <a:rPr lang="en-US" smtClean="0"/>
-              <a:t>5/14/2022</a:t>
+              <a:t>9/6/2023</a:t>
             </a:fld>
             <a:endParaRPr lang="en-US" dirty="0"/>
           </a:p>
@@ -4444,7 +4444,7 @@
             <a:fld id="{48A87A34-81AB-432B-8DAE-1953F412C126}" type="datetimeFigureOut">
               <a:rPr lang="en-US" smtClean="0"/>
               <a:pPr/>
-              <a:t>5/14/2022</a:t>
+              <a:t>9/6/2023</a:t>
             </a:fld>
             <a:endParaRPr lang="en-US" dirty="0"/>
           </a:p>
@@ -4772,7 +4772,7 @@
             <a:fld id="{48A87A34-81AB-432B-8DAE-1953F412C126}" type="datetimeFigureOut">
               <a:rPr lang="en-US" smtClean="0"/>
               <a:pPr/>
-              <a:t>5/14/2022</a:t>
+              <a:t>9/6/2023</a:t>
             </a:fld>
             <a:endParaRPr lang="en-US" dirty="0"/>
           </a:p>
@@ -6152,7 +6152,7 @@
                 <a:latin typeface="Times New Roman" panose="02020603050405020304" pitchFamily="18" charset="0"/>
                 <a:cs typeface="Times New Roman" panose="02020603050405020304" pitchFamily="18" charset="0"/>
               </a:rPr>
-              <a:t>[1]);</a:t>
+              <a:t>[1])</a:t>
             </a:r>
           </a:p>
           <a:p>
@@ -6189,7 +6189,7 @@
                 <a:latin typeface="Times New Roman" panose="02020603050405020304" pitchFamily="18" charset="0"/>
                 <a:cs typeface="Times New Roman" panose="02020603050405020304" pitchFamily="18" charset="0"/>
               </a:rPr>
-              <a:t>(“Juju", “Laura", “Maria Paula");</a:t>
+              <a:t>(“Juju", “Laura", “Maria Paula")</a:t>
             </a:r>
           </a:p>
         </p:txBody>
@@ -6524,7 +6524,7 @@
                 <a:latin typeface="Times New Roman" panose="02020603050405020304" pitchFamily="18" charset="0"/>
                 <a:cs typeface="Times New Roman" panose="02020603050405020304" pitchFamily="18" charset="0"/>
               </a:rPr>
-              <a:t> é " + adulto3);</a:t>
+              <a:t> é " + adulto3)</a:t>
             </a:r>
           </a:p>
           <a:p>
@@ -6549,7 +6549,7 @@
                 <a:latin typeface="Times New Roman" panose="02020603050405020304" pitchFamily="18" charset="0"/>
                 <a:cs typeface="Times New Roman" panose="02020603050405020304" pitchFamily="18" charset="0"/>
               </a:rPr>
-              <a:t>(adulto1 = “Juju", adulto2 = “Paulo", adulto3 = “João");</a:t>
+              <a:t>(adulto1 = “Juju", adulto2 = “Paulo", adulto3 = “João")</a:t>
             </a:r>
           </a:p>
         </p:txBody>
@@ -6891,7 +6891,7 @@
                 <a:latin typeface="Times New Roman" panose="02020603050405020304" pitchFamily="18" charset="0"/>
                 <a:cs typeface="Times New Roman" panose="02020603050405020304" pitchFamily="18" charset="0"/>
               </a:rPr>
-              <a:t>"]);</a:t>
+              <a:t>"])</a:t>
             </a:r>
           </a:p>
           <a:p>
@@ -7008,7 +7008,7 @@
                 <a:latin typeface="Times New Roman" panose="02020603050405020304" pitchFamily="18" charset="0"/>
                 <a:cs typeface="Times New Roman" panose="02020603050405020304" pitchFamily="18" charset="0"/>
               </a:rPr>
-              <a:t>");</a:t>
+              <a:t>")</a:t>
             </a:r>
             <a:endParaRPr lang="en-US" sz="2400" dirty="0">
               <a:solidFill>
@@ -7255,7 +7255,7 @@
                 <a:latin typeface="Times New Roman" panose="02020603050405020304" pitchFamily="18" charset="0"/>
                 <a:cs typeface="Times New Roman" panose="02020603050405020304" pitchFamily="18" charset="0"/>
               </a:rPr>
-              <a:t>    			print(x);</a:t>
+              <a:t>    			print(x)</a:t>
             </a:r>
           </a:p>
           <a:p>
@@ -7330,7 +7330,7 @@
                 <a:latin typeface="Times New Roman" panose="02020603050405020304" pitchFamily="18" charset="0"/>
                 <a:cs typeface="Times New Roman" panose="02020603050405020304" pitchFamily="18" charset="0"/>
               </a:rPr>
-              <a:t>"];</a:t>
+              <a:t>"]</a:t>
             </a:r>
           </a:p>
           <a:p>
@@ -7395,7 +7395,7 @@
                 <a:latin typeface="Times New Roman" panose="02020603050405020304" pitchFamily="18" charset="0"/>
                 <a:cs typeface="Times New Roman" panose="02020603050405020304" pitchFamily="18" charset="0"/>
               </a:rPr>
-              <a:t>);</a:t>
+              <a:t>)</a:t>
             </a:r>
           </a:p>
         </p:txBody>
@@ -7611,7 +7611,7 @@
                 <a:latin typeface="Times New Roman" panose="02020603050405020304" pitchFamily="18" charset="0"/>
                 <a:cs typeface="Times New Roman" panose="02020603050405020304" pitchFamily="18" charset="0"/>
               </a:rPr>
-              <a:t> 5 * x;</a:t>
+              <a:t> 5 * x</a:t>
             </a:r>
           </a:p>
           <a:p>
@@ -7656,7 +7656,7 @@
                 <a:latin typeface="Times New Roman" panose="02020603050405020304" pitchFamily="18" charset="0"/>
                 <a:cs typeface="Times New Roman" panose="02020603050405020304" pitchFamily="18" charset="0"/>
               </a:rPr>
-              <a:t>(3));</a:t>
+              <a:t>(3))</a:t>
             </a:r>
           </a:p>
           <a:p>
@@ -7692,7 +7692,7 @@
                 <a:latin typeface="Times New Roman" panose="02020603050405020304" pitchFamily="18" charset="0"/>
                 <a:cs typeface="Times New Roman" panose="02020603050405020304" pitchFamily="18" charset="0"/>
               </a:rPr>
-              <a:t>(5));</a:t>
+              <a:t>(5))</a:t>
             </a:r>
           </a:p>
           <a:p>
@@ -7728,7 +7728,7 @@
                 <a:latin typeface="Times New Roman" panose="02020603050405020304" pitchFamily="18" charset="0"/>
                 <a:cs typeface="Times New Roman" panose="02020603050405020304" pitchFamily="18" charset="0"/>
               </a:rPr>
-              <a:t>(9));</a:t>
+              <a:t>(9))</a:t>
             </a:r>
           </a:p>
         </p:txBody>
@@ -7984,38 +7984,35 @@
               </a:rPr>
               <a:t>pass</a:t>
             </a:r>
+            <a:endParaRPr lang="en-US" sz="2400" dirty="0">
+              <a:latin typeface="Times New Roman" panose="02020603050405020304" pitchFamily="18" charset="0"/>
+              <a:cs typeface="Times New Roman" panose="02020603050405020304" pitchFamily="18" charset="0"/>
+            </a:endParaRPr>
+          </a:p>
+          <a:p>
+            <a:pPr marL="0" indent="0" algn="just">
+              <a:buNone/>
+            </a:pPr>
             <a:r>
               <a:rPr lang="en-US" sz="2400" dirty="0">
                 <a:latin typeface="Times New Roman" panose="02020603050405020304" pitchFamily="18" charset="0"/>
                 <a:cs typeface="Times New Roman" panose="02020603050405020304" pitchFamily="18" charset="0"/>
               </a:rPr>
-              <a:t>;</a:t>
-            </a:r>
-          </a:p>
-          <a:p>
-            <a:pPr marL="0" indent="0" algn="just">
-              <a:buNone/>
-            </a:pPr>
+              <a:t>	</a:t>
+            </a:r>
+            <a:r>
+              <a:rPr lang="en-US" sz="2400" b="1" dirty="0">
+                <a:latin typeface="Times New Roman" panose="02020603050405020304" pitchFamily="18" charset="0"/>
+                <a:cs typeface="Times New Roman" panose="02020603050405020304" pitchFamily="18" charset="0"/>
+              </a:rPr>
+              <a:t>print</a:t>
+            </a:r>
             <a:r>
               <a:rPr lang="en-US" sz="2400" dirty="0">
                 <a:latin typeface="Times New Roman" panose="02020603050405020304" pitchFamily="18" charset="0"/>
                 <a:cs typeface="Times New Roman" panose="02020603050405020304" pitchFamily="18" charset="0"/>
               </a:rPr>
-              <a:t>	</a:t>
-            </a:r>
-            <a:r>
-              <a:rPr lang="en-US" sz="2400" b="1" dirty="0">
-                <a:latin typeface="Times New Roman" panose="02020603050405020304" pitchFamily="18" charset="0"/>
-                <a:cs typeface="Times New Roman" panose="02020603050405020304" pitchFamily="18" charset="0"/>
-              </a:rPr>
-              <a:t>print</a:t>
-            </a:r>
-            <a:r>
-              <a:rPr lang="en-US" sz="2400" dirty="0">
-                <a:latin typeface="Times New Roman" panose="02020603050405020304" pitchFamily="18" charset="0"/>
-                <a:cs typeface="Times New Roman" panose="02020603050405020304" pitchFamily="18" charset="0"/>
-              </a:rPr>
-              <a:t>(“oi”);</a:t>
+              <a:t>(“oi”)</a:t>
             </a:r>
           </a:p>
         </p:txBody>
@@ -8298,7 +8295,7 @@
                 <a:latin typeface="Times New Roman" panose="02020603050405020304" pitchFamily="18" charset="0"/>
                 <a:cs typeface="Times New Roman" panose="02020603050405020304" pitchFamily="18" charset="0"/>
               </a:rPr>
-              <a:t>(k - 1);</a:t>
+              <a:t>(k - 1)</a:t>
             </a:r>
           </a:p>
           <a:p>
@@ -8324,7 +8321,7 @@
                 <a:latin typeface="Times New Roman" panose="02020603050405020304" pitchFamily="18" charset="0"/>
                 <a:cs typeface="Times New Roman" panose="02020603050405020304" pitchFamily="18" charset="0"/>
               </a:rPr>
-              <a:t>(result);</a:t>
+              <a:t>(result)</a:t>
             </a:r>
           </a:p>
           <a:p>
@@ -8362,7 +8359,7 @@
                 <a:latin typeface="Times New Roman" panose="02020603050405020304" pitchFamily="18" charset="0"/>
                 <a:cs typeface="Times New Roman" panose="02020603050405020304" pitchFamily="18" charset="0"/>
               </a:rPr>
-              <a:t>  	result = 0;</a:t>
+              <a:t>  	result = 0</a:t>
             </a:r>
           </a:p>
           <a:p>
@@ -8388,7 +8385,7 @@
                 <a:latin typeface="Times New Roman" panose="02020603050405020304" pitchFamily="18" charset="0"/>
                 <a:cs typeface="Times New Roman" panose="02020603050405020304" pitchFamily="18" charset="0"/>
               </a:rPr>
-              <a:t> result;</a:t>
+              <a:t> result</a:t>
             </a:r>
           </a:p>
           <a:p>
@@ -8457,7 +8454,7 @@
                 <a:latin typeface="Times New Roman" panose="02020603050405020304" pitchFamily="18" charset="0"/>
                 <a:cs typeface="Times New Roman" panose="02020603050405020304" pitchFamily="18" charset="0"/>
               </a:rPr>
-              <a:t>); // 6 </a:t>
+              <a:t>) // 6 </a:t>
             </a:r>
             <a:r>
               <a:rPr lang="en-US" sz="1800" dirty="0" err="1">
@@ -8596,7 +8593,7 @@
               <a:buNone/>
             </a:pPr>
             <a:r>
-              <a:rPr lang="pt-BR" sz="3600" b="1" dirty="0">
+              <a:rPr lang="pt-BR" sz="3200" b="1" dirty="0">
                 <a:solidFill>
                   <a:srgbClr val="FF0000"/>
                 </a:solidFill>
@@ -8606,7 +8603,7 @@
               <a:t>Exemplo</a:t>
             </a:r>
             <a:r>
-              <a:rPr lang="pt-BR" sz="3600" dirty="0">
+              <a:rPr lang="pt-BR" sz="3200" dirty="0">
                 <a:solidFill>
                   <a:schemeClr val="tx1"/>
                 </a:solidFill>
@@ -8616,7 +8613,7 @@
               <a:t>: </a:t>
             </a:r>
             <a:r>
-              <a:rPr lang="pt-BR" sz="3600" b="1" dirty="0">
+              <a:rPr lang="pt-BR" sz="3200" b="1" dirty="0">
                 <a:solidFill>
                   <a:schemeClr val="tx1"/>
                 </a:solidFill>
@@ -8625,7 +8622,7 @@
               </a:rPr>
               <a:t>Função Recursão</a:t>
             </a:r>
-            <a:endParaRPr lang="pt-BR" sz="3600" dirty="0">
+            <a:endParaRPr lang="pt-BR" sz="3200" dirty="0">
               <a:solidFill>
                 <a:schemeClr val="tx1"/>
               </a:solidFill>
@@ -8637,7 +8634,7 @@
             <a:pPr marL="0" indent="0" algn="just">
               <a:buNone/>
             </a:pPr>
-            <a:endParaRPr lang="pt-BR" sz="3600" b="1" dirty="0">
+            <a:endParaRPr lang="pt-BR" sz="3200" b="1" dirty="0">
               <a:latin typeface="Times New Roman" panose="02020603050405020304" pitchFamily="18" charset="0"/>
               <a:cs typeface="Times New Roman" panose="02020603050405020304" pitchFamily="18" charset="0"/>
             </a:endParaRPr>
@@ -8647,14 +8644,14 @@
               <a:buNone/>
             </a:pPr>
             <a:r>
-              <a:rPr lang="en-US" sz="3600" dirty="0">
+              <a:rPr lang="en-US" sz="3200" dirty="0">
                 <a:latin typeface="Times New Roman" panose="02020603050405020304" pitchFamily="18" charset="0"/>
                 <a:cs typeface="Times New Roman" panose="02020603050405020304" pitchFamily="18" charset="0"/>
                 <a:hlinkClick r:id="rId3"/>
               </a:rPr>
               <a:t>https://www.cs.usfca.edu/~galles/visualization/Algorithms.html</a:t>
             </a:r>
-            <a:endParaRPr lang="en-US" sz="3600" dirty="0">
+            <a:endParaRPr lang="en-US" sz="3200" dirty="0">
               <a:latin typeface="Times New Roman" panose="02020603050405020304" pitchFamily="18" charset="0"/>
               <a:cs typeface="Times New Roman" panose="02020603050405020304" pitchFamily="18" charset="0"/>
             </a:endParaRPr>
@@ -8663,7 +8660,7 @@
             <a:pPr marL="0" indent="0" algn="just">
               <a:buNone/>
             </a:pPr>
-            <a:endParaRPr lang="en-US" sz="3600" dirty="0">
+            <a:endParaRPr lang="en-US" sz="3200" dirty="0">
               <a:latin typeface="Times New Roman" panose="02020603050405020304" pitchFamily="18" charset="0"/>
               <a:cs typeface="Times New Roman" panose="02020603050405020304" pitchFamily="18" charset="0"/>
             </a:endParaRPr>
@@ -10885,16 +10882,13 @@
               </a:rPr>
               <a:t>)</a:t>
             </a:r>
-            <a:r>
-              <a:rPr lang="en-US" sz="2400" dirty="0">
-                <a:solidFill>
-                  <a:schemeClr val="tx1"/>
-                </a:solidFill>
-                <a:latin typeface="Times New Roman" panose="02020603050405020304" pitchFamily="18" charset="0"/>
-                <a:cs typeface="Times New Roman" panose="02020603050405020304" pitchFamily="18" charset="0"/>
-              </a:rPr>
-              <a:t>;</a:t>
-            </a:r>
+            <a:endParaRPr lang="en-US" sz="2400" dirty="0">
+              <a:solidFill>
+                <a:schemeClr val="tx1"/>
+              </a:solidFill>
+              <a:latin typeface="Times New Roman" panose="02020603050405020304" pitchFamily="18" charset="0"/>
+              <a:cs typeface="Times New Roman" panose="02020603050405020304" pitchFamily="18" charset="0"/>
+            </a:endParaRPr>
           </a:p>
           <a:p>
             <a:pPr marL="619125" lvl="1" indent="0" algn="just">
@@ -10930,7 +10924,7 @@
                 <a:latin typeface="Times New Roman" panose="02020603050405020304" pitchFamily="18" charset="0"/>
                 <a:cs typeface="Times New Roman" panose="02020603050405020304" pitchFamily="18" charset="0"/>
               </a:rPr>
-              <a:t>(); // </a:t>
+              <a:t>() // </a:t>
             </a:r>
             <a:r>
               <a:rPr lang="en-US" sz="2400" b="1" dirty="0" err="1">
@@ -11155,7 +11149,7 @@
                 <a:latin typeface="Times New Roman" panose="02020603050405020304" pitchFamily="18" charset="0"/>
                 <a:cs typeface="Times New Roman" panose="02020603050405020304" pitchFamily="18" charset="0"/>
               </a:rPr>
-              <a:t>  </a:t>
+              <a:t>  	</a:t>
             </a:r>
             <a:r>
               <a:rPr lang="en-US" sz="2400" b="1" dirty="0">
@@ -11175,7 +11169,7 @@
                 <a:latin typeface="Times New Roman" panose="02020603050405020304" pitchFamily="18" charset="0"/>
                 <a:cs typeface="Times New Roman" panose="02020603050405020304" pitchFamily="18" charset="0"/>
               </a:rPr>
-              <a:t>("Hello World!!!");</a:t>
+              <a:t>("Hello World!!!")</a:t>
             </a:r>
           </a:p>
           <a:p>
@@ -11200,7 +11194,7 @@
                 <a:latin typeface="Times New Roman" panose="02020603050405020304" pitchFamily="18" charset="0"/>
                 <a:cs typeface="Times New Roman" panose="02020603050405020304" pitchFamily="18" charset="0"/>
               </a:rPr>
-              <a:t>();</a:t>
+              <a:t>()</a:t>
             </a:r>
             <a:endParaRPr lang="pt-BR" sz="2400" b="1" dirty="0">
               <a:solidFill>
@@ -11445,7 +11439,7 @@
                 <a:latin typeface="Times New Roman" panose="02020603050405020304" pitchFamily="18" charset="0"/>
                 <a:cs typeface="Times New Roman" panose="02020603050405020304" pitchFamily="18" charset="0"/>
               </a:rPr>
-              <a:t> + " Cardoso");</a:t>
+              <a:t> + " Cardoso")</a:t>
             </a:r>
           </a:p>
           <a:p>
@@ -11482,7 +11476,7 @@
                 <a:latin typeface="Times New Roman" panose="02020603050405020304" pitchFamily="18" charset="0"/>
                 <a:cs typeface="Times New Roman" panose="02020603050405020304" pitchFamily="18" charset="0"/>
               </a:rPr>
-              <a:t>(“Julia");</a:t>
+              <a:t>(“Julia")</a:t>
             </a:r>
           </a:p>
           <a:p>
@@ -11507,17 +11501,22 @@
                 <a:latin typeface="Times New Roman" panose="02020603050405020304" pitchFamily="18" charset="0"/>
                 <a:cs typeface="Times New Roman" panose="02020603050405020304" pitchFamily="18" charset="0"/>
               </a:rPr>
-              <a:t>(“</a:t>
-            </a:r>
-            <a:r>
-              <a:rPr lang="en-US" sz="2400" dirty="0" err="1">
-                <a:solidFill>
-                  <a:schemeClr val="tx1"/>
-                </a:solidFill>
-                <a:latin typeface="Times New Roman" panose="02020603050405020304" pitchFamily="18" charset="0"/>
-                <a:cs typeface="Times New Roman" panose="02020603050405020304" pitchFamily="18" charset="0"/>
-              </a:rPr>
-              <a:t>Josy</a:t>
+              <a:t>(“Josy")</a:t>
+            </a:r>
+          </a:p>
+          <a:p>
+            <a:pPr marL="619125" lvl="1" indent="0" algn="just">
+              <a:buNone/>
+            </a:pPr>
+            <a:r>
+              <a:rPr lang="en-US" sz="2400" b="1" dirty="0" err="1">
+                <a:solidFill>
+                  <a:srgbClr val="FF0000"/>
+                </a:solidFill>
+                <a:latin typeface="Times New Roman" panose="02020603050405020304" pitchFamily="18" charset="0"/>
+                <a:cs typeface="Times New Roman" panose="02020603050405020304" pitchFamily="18" charset="0"/>
+              </a:rPr>
+              <a:t>imprimeNome</a:t>
             </a:r>
             <a:r>
               <a:rPr lang="en-US" sz="2400" dirty="0">
@@ -11527,32 +11526,7 @@
                 <a:latin typeface="Times New Roman" panose="02020603050405020304" pitchFamily="18" charset="0"/>
                 <a:cs typeface="Times New Roman" panose="02020603050405020304" pitchFamily="18" charset="0"/>
               </a:rPr>
-              <a:t>");</a:t>
-            </a:r>
-          </a:p>
-          <a:p>
-            <a:pPr marL="619125" lvl="1" indent="0" algn="just">
-              <a:buNone/>
-            </a:pPr>
-            <a:r>
-              <a:rPr lang="en-US" sz="2400" b="1" dirty="0" err="1">
-                <a:solidFill>
-                  <a:srgbClr val="FF0000"/>
-                </a:solidFill>
-                <a:latin typeface="Times New Roman" panose="02020603050405020304" pitchFamily="18" charset="0"/>
-                <a:cs typeface="Times New Roman" panose="02020603050405020304" pitchFamily="18" charset="0"/>
-              </a:rPr>
-              <a:t>imprimeNome</a:t>
-            </a:r>
-            <a:r>
-              <a:rPr lang="en-US" sz="2400" dirty="0">
-                <a:solidFill>
-                  <a:schemeClr val="tx1"/>
-                </a:solidFill>
-                <a:latin typeface="Times New Roman" panose="02020603050405020304" pitchFamily="18" charset="0"/>
-                <a:cs typeface="Times New Roman" panose="02020603050405020304" pitchFamily="18" charset="0"/>
-              </a:rPr>
-              <a:t>(“Maria");</a:t>
+              <a:t>(“Maria")</a:t>
             </a:r>
             <a:endParaRPr lang="pt-BR" sz="2400" dirty="0">
               <a:solidFill>
@@ -11859,7 +11833,7 @@
                 <a:latin typeface="Times New Roman" panose="02020603050405020304" pitchFamily="18" charset="0"/>
                 <a:cs typeface="Times New Roman" panose="02020603050405020304" pitchFamily="18" charset="0"/>
               </a:rPr>
-              <a:t>);</a:t>
+              <a:t>)</a:t>
             </a:r>
           </a:p>
           <a:p>
@@ -11896,7 +11870,7 @@
                 <a:latin typeface="Times New Roman" panose="02020603050405020304" pitchFamily="18" charset="0"/>
                 <a:cs typeface="Times New Roman" panose="02020603050405020304" pitchFamily="18" charset="0"/>
               </a:rPr>
-              <a:t>(“Julia", “Cardoso");</a:t>
+              <a:t>(“Julia", “Cardoso")</a:t>
             </a:r>
             <a:endParaRPr lang="pt-BR" sz="2400" dirty="0">
               <a:solidFill>
@@ -12161,7 +12135,7 @@
                 <a:latin typeface="Times New Roman" panose="02020603050405020304" pitchFamily="18" charset="0"/>
                 <a:cs typeface="Times New Roman" panose="02020603050405020304" pitchFamily="18" charset="0"/>
               </a:rPr>
-              <a:t>);</a:t>
+              <a:t>)</a:t>
             </a:r>
           </a:p>
           <a:p>
@@ -12198,7 +12172,7 @@
                 <a:latin typeface="Times New Roman" panose="02020603050405020304" pitchFamily="18" charset="0"/>
                 <a:cs typeface="Times New Roman" panose="02020603050405020304" pitchFamily="18" charset="0"/>
               </a:rPr>
-              <a:t>(“Julia");</a:t>
+              <a:t>(“Julia")</a:t>
             </a:r>
           </a:p>
           <a:p>
@@ -12600,7 +12574,7 @@
                 <a:latin typeface="Times New Roman" panose="02020603050405020304" pitchFamily="18" charset="0"/>
                 <a:cs typeface="Times New Roman" panose="02020603050405020304" pitchFamily="18" charset="0"/>
               </a:rPr>
-              <a:t>);</a:t>
+              <a:t>)</a:t>
             </a:r>
           </a:p>
           <a:p>
@@ -12637,7 +12611,7 @@
                 <a:latin typeface="Times New Roman" panose="02020603050405020304" pitchFamily="18" charset="0"/>
                 <a:cs typeface="Times New Roman" panose="02020603050405020304" pitchFamily="18" charset="0"/>
               </a:rPr>
-              <a:t>(“Julia");</a:t>
+              <a:t>(“Julia")</a:t>
             </a:r>
           </a:p>
         </p:txBody>

--- a/01 Classes/Aula 08 Programação Python - Modularização Funções.pptx
+++ b/01 Classes/Aula 08 Programação Python - Modularização Funções.pptx
@@ -1715,7 +1715,7 @@
           <a:p>
             <a:fld id="{48A87A34-81AB-432B-8DAE-1953F412C126}" type="datetimeFigureOut">
               <a:rPr lang="en-US" smtClean="0"/>
-              <a:t>9/6/2023</a:t>
+              <a:t>9/9/2025</a:t>
             </a:fld>
             <a:endParaRPr lang="en-US" dirty="0"/>
           </a:p>
@@ -1926,7 +1926,7 @@
           <a:p>
             <a:fld id="{48A87A34-81AB-432B-8DAE-1953F412C126}" type="datetimeFigureOut">
               <a:rPr lang="en-US" smtClean="0"/>
-              <a:t>9/6/2023</a:t>
+              <a:t>9/9/2025</a:t>
             </a:fld>
             <a:endParaRPr lang="en-US" dirty="0"/>
           </a:p>
@@ -2141,7 +2141,7 @@
           <a:p>
             <a:fld id="{48A87A34-81AB-432B-8DAE-1953F412C126}" type="datetimeFigureOut">
               <a:rPr lang="en-US" smtClean="0"/>
-              <a:t>9/6/2023</a:t>
+              <a:t>9/9/2025</a:t>
             </a:fld>
             <a:endParaRPr lang="en-US" dirty="0"/>
           </a:p>
@@ -2509,7 +2509,7 @@
           <a:p>
             <a:fld id="{48A87A34-81AB-432B-8DAE-1953F412C126}" type="datetimeFigureOut">
               <a:rPr lang="en-US" smtClean="0"/>
-              <a:t>9/6/2023</a:t>
+              <a:t>9/9/2025</a:t>
             </a:fld>
             <a:endParaRPr lang="en-US" dirty="0"/>
           </a:p>
@@ -2788,7 +2788,7 @@
           <a:p>
             <a:fld id="{48A87A34-81AB-432B-8DAE-1953F412C126}" type="datetimeFigureOut">
               <a:rPr lang="en-US" smtClean="0"/>
-              <a:t>9/6/2023</a:t>
+              <a:t>9/9/2025</a:t>
             </a:fld>
             <a:endParaRPr lang="en-US" dirty="0"/>
           </a:p>
@@ -3056,7 +3056,7 @@
           <a:p>
             <a:fld id="{48A87A34-81AB-432B-8DAE-1953F412C126}" type="datetimeFigureOut">
               <a:rPr lang="en-US" smtClean="0"/>
-              <a:t>9/6/2023</a:t>
+              <a:t>9/9/2025</a:t>
             </a:fld>
             <a:endParaRPr lang="en-US" dirty="0"/>
           </a:p>
@@ -3472,7 +3472,7 @@
           <a:p>
             <a:fld id="{48A87A34-81AB-432B-8DAE-1953F412C126}" type="datetimeFigureOut">
               <a:rPr lang="en-US" smtClean="0"/>
-              <a:t>9/6/2023</a:t>
+              <a:t>9/9/2025</a:t>
             </a:fld>
             <a:endParaRPr lang="en-US" dirty="0"/>
           </a:p>
@@ -3621,7 +3621,7 @@
           <a:p>
             <a:fld id="{48A87A34-81AB-432B-8DAE-1953F412C126}" type="datetimeFigureOut">
               <a:rPr lang="en-US" smtClean="0"/>
-              <a:t>9/6/2023</a:t>
+              <a:t>9/9/2025</a:t>
             </a:fld>
             <a:endParaRPr lang="en-US" dirty="0"/>
           </a:p>
@@ -3747,7 +3747,7 @@
           <a:p>
             <a:fld id="{48A87A34-81AB-432B-8DAE-1953F412C126}" type="datetimeFigureOut">
               <a:rPr lang="en-US" smtClean="0"/>
-              <a:t>9/6/2023</a:t>
+              <a:t>9/9/2025</a:t>
             </a:fld>
             <a:endParaRPr lang="en-US" dirty="0"/>
           </a:p>
@@ -3998,7 +3998,7 @@
           <a:p>
             <a:fld id="{48A87A34-81AB-432B-8DAE-1953F412C126}" type="datetimeFigureOut">
               <a:rPr lang="en-US" smtClean="0"/>
-              <a:t>9/6/2023</a:t>
+              <a:t>9/9/2025</a:t>
             </a:fld>
             <a:endParaRPr lang="en-US" dirty="0"/>
           </a:p>
@@ -4444,7 +4444,7 @@
             <a:fld id="{48A87A34-81AB-432B-8DAE-1953F412C126}" type="datetimeFigureOut">
               <a:rPr lang="en-US" smtClean="0"/>
               <a:pPr/>
-              <a:t>9/6/2023</a:t>
+              <a:t>9/9/2025</a:t>
             </a:fld>
             <a:endParaRPr lang="en-US" dirty="0"/>
           </a:p>
@@ -4611,6 +4611,13 @@
             <a:schemeClr val="lt1"/>
           </a:fontRef>
         </p:style>
+        <p:txBody>
+          <a:bodyPr/>
+          <a:lstStyle/>
+          <a:p>
+            <a:endParaRPr lang="pt-BR"/>
+          </a:p>
+        </p:txBody>
       </p:sp>
       <p:pic>
         <p:nvPicPr>
@@ -4772,7 +4779,7 @@
             <a:fld id="{48A87A34-81AB-432B-8DAE-1953F412C126}" type="datetimeFigureOut">
               <a:rPr lang="en-US" smtClean="0"/>
               <a:pPr/>
-              <a:t>9/6/2023</a:t>
+              <a:t>9/9/2025</a:t>
             </a:fld>
             <a:endParaRPr lang="en-US" dirty="0"/>
           </a:p>
@@ -6105,7 +6112,14 @@
                 <a:latin typeface="Times New Roman" panose="02020603050405020304" pitchFamily="18" charset="0"/>
                 <a:cs typeface="Times New Roman" panose="02020603050405020304" pitchFamily="18" charset="0"/>
               </a:rPr>
-              <a:t>(“</a:t>
+              <a:t>(</a:t>
+            </a:r>
+            <a:r>
+              <a:rPr lang="en-US" sz="2400" dirty="0">
+                <a:latin typeface="Times New Roman" panose="02020603050405020304" pitchFamily="18" charset="0"/>
+                <a:cs typeface="Times New Roman" panose="02020603050405020304" pitchFamily="18" charset="0"/>
+              </a:rPr>
+              <a:t>'</a:t>
             </a:r>
             <a:r>
               <a:rPr lang="pt-BR" sz="2400" dirty="0">
@@ -6126,13 +6140,20 @@
             </a:r>
             <a:r>
               <a:rPr lang="en-US" sz="2400" dirty="0">
-                <a:solidFill>
-                  <a:schemeClr val="tx1"/>
-                </a:solidFill>
-                <a:latin typeface="Times New Roman" panose="02020603050405020304" pitchFamily="18" charset="0"/>
-                <a:cs typeface="Times New Roman" panose="02020603050405020304" pitchFamily="18" charset="0"/>
-              </a:rPr>
-              <a:t>" + </a:t>
+                <a:latin typeface="Times New Roman" panose="02020603050405020304" pitchFamily="18" charset="0"/>
+                <a:cs typeface="Times New Roman" panose="02020603050405020304" pitchFamily="18" charset="0"/>
+              </a:rPr>
+              <a:t>'</a:t>
+            </a:r>
+            <a:r>
+              <a:rPr lang="en-US" sz="2400" dirty="0">
+                <a:solidFill>
+                  <a:schemeClr val="tx1"/>
+                </a:solidFill>
+                <a:latin typeface="Times New Roman" panose="02020603050405020304" pitchFamily="18" charset="0"/>
+                <a:cs typeface="Times New Roman" panose="02020603050405020304" pitchFamily="18" charset="0"/>
+              </a:rPr>
+              <a:t> + </a:t>
             </a:r>
             <a:r>
               <a:rPr lang="en-US" sz="2400" dirty="0" err="1">
@@ -6189,7 +6210,109 @@
                 <a:latin typeface="Times New Roman" panose="02020603050405020304" pitchFamily="18" charset="0"/>
                 <a:cs typeface="Times New Roman" panose="02020603050405020304" pitchFamily="18" charset="0"/>
               </a:rPr>
-              <a:t>(“Juju", “Laura", “Maria Paula")</a:t>
+              <a:t>(</a:t>
+            </a:r>
+            <a:r>
+              <a:rPr lang="en-US" sz="2400" dirty="0">
+                <a:latin typeface="Times New Roman" panose="02020603050405020304" pitchFamily="18" charset="0"/>
+                <a:cs typeface="Times New Roman" panose="02020603050405020304" pitchFamily="18" charset="0"/>
+              </a:rPr>
+              <a:t>'</a:t>
+            </a:r>
+            <a:r>
+              <a:rPr lang="en-US" sz="2400" dirty="0">
+                <a:solidFill>
+                  <a:schemeClr val="tx1"/>
+                </a:solidFill>
+                <a:latin typeface="Times New Roman" panose="02020603050405020304" pitchFamily="18" charset="0"/>
+                <a:cs typeface="Times New Roman" panose="02020603050405020304" pitchFamily="18" charset="0"/>
+              </a:rPr>
+              <a:t>Juju</a:t>
+            </a:r>
+            <a:r>
+              <a:rPr lang="en-US" sz="2400" dirty="0">
+                <a:latin typeface="Times New Roman" panose="02020603050405020304" pitchFamily="18" charset="0"/>
+                <a:cs typeface="Times New Roman" panose="02020603050405020304" pitchFamily="18" charset="0"/>
+              </a:rPr>
+              <a:t>'</a:t>
+            </a:r>
+            <a:r>
+              <a:rPr lang="en-US" sz="2400" dirty="0">
+                <a:solidFill>
+                  <a:schemeClr val="tx1"/>
+                </a:solidFill>
+                <a:latin typeface="Times New Roman" panose="02020603050405020304" pitchFamily="18" charset="0"/>
+                <a:cs typeface="Times New Roman" panose="02020603050405020304" pitchFamily="18" charset="0"/>
+              </a:rPr>
+              <a:t>, </a:t>
+            </a:r>
+            <a:r>
+              <a:rPr lang="en-US" sz="2400" dirty="0">
+                <a:latin typeface="Times New Roman" panose="02020603050405020304" pitchFamily="18" charset="0"/>
+                <a:cs typeface="Times New Roman" panose="02020603050405020304" pitchFamily="18" charset="0"/>
+              </a:rPr>
+              <a:t>'</a:t>
+            </a:r>
+            <a:r>
+              <a:rPr lang="en-US" sz="2400" dirty="0">
+                <a:solidFill>
+                  <a:schemeClr val="tx1"/>
+                </a:solidFill>
+                <a:latin typeface="Times New Roman" panose="02020603050405020304" pitchFamily="18" charset="0"/>
+                <a:cs typeface="Times New Roman" panose="02020603050405020304" pitchFamily="18" charset="0"/>
+              </a:rPr>
+              <a:t>Laura</a:t>
+            </a:r>
+            <a:r>
+              <a:rPr lang="en-US" sz="2400" dirty="0">
+                <a:latin typeface="Times New Roman" panose="02020603050405020304" pitchFamily="18" charset="0"/>
+                <a:cs typeface="Times New Roman" panose="02020603050405020304" pitchFamily="18" charset="0"/>
+              </a:rPr>
+              <a:t>'</a:t>
+            </a:r>
+            <a:r>
+              <a:rPr lang="en-US" sz="2400" dirty="0">
+                <a:solidFill>
+                  <a:schemeClr val="tx1"/>
+                </a:solidFill>
+                <a:latin typeface="Times New Roman" panose="02020603050405020304" pitchFamily="18" charset="0"/>
+                <a:cs typeface="Times New Roman" panose="02020603050405020304" pitchFamily="18" charset="0"/>
+              </a:rPr>
+              <a:t>, </a:t>
+            </a:r>
+            <a:r>
+              <a:rPr lang="en-US" sz="2400" dirty="0">
+                <a:latin typeface="Times New Roman" panose="02020603050405020304" pitchFamily="18" charset="0"/>
+                <a:cs typeface="Times New Roman" panose="02020603050405020304" pitchFamily="18" charset="0"/>
+              </a:rPr>
+              <a:t>'</a:t>
+            </a:r>
+            <a:r>
+              <a:rPr lang="en-US" sz="2400" dirty="0">
+                <a:solidFill>
+                  <a:schemeClr val="tx1"/>
+                </a:solidFill>
+                <a:latin typeface="Times New Roman" panose="02020603050405020304" pitchFamily="18" charset="0"/>
+                <a:cs typeface="Times New Roman" panose="02020603050405020304" pitchFamily="18" charset="0"/>
+              </a:rPr>
+              <a:t>Maria Paula</a:t>
+            </a:r>
+            <a:r>
+              <a:rPr lang="en-US" sz="2400" dirty="0">
+                <a:latin typeface="Times New Roman" panose="02020603050405020304" pitchFamily="18" charset="0"/>
+                <a:cs typeface="Times New Roman" panose="02020603050405020304" pitchFamily="18" charset="0"/>
+              </a:rPr>
+              <a:t>'</a:t>
+            </a:r>
+            <a:r>
+              <a:rPr lang="en-US" sz="2400" dirty="0">
+                <a:solidFill>
+                  <a:schemeClr val="tx1"/>
+                </a:solidFill>
+                <a:latin typeface="Times New Roman" panose="02020603050405020304" pitchFamily="18" charset="0"/>
+                <a:cs typeface="Times New Roman" panose="02020603050405020304" pitchFamily="18" charset="0"/>
+              </a:rPr>
+              <a:t>)</a:t>
             </a:r>
           </a:p>
         </p:txBody>
@@ -6464,7 +6587,24 @@
                 <a:latin typeface="Times New Roman" panose="02020603050405020304" pitchFamily="18" charset="0"/>
                 <a:cs typeface="Times New Roman" panose="02020603050405020304" pitchFamily="18" charset="0"/>
               </a:rPr>
-              <a:t>(“O </a:t>
+              <a:t>(</a:t>
+            </a:r>
+            <a:r>
+              <a:rPr lang="en-US" sz="2400" dirty="0">
+                <a:latin typeface="Times New Roman" panose="02020603050405020304" pitchFamily="18" charset="0"/>
+                <a:cs typeface="Times New Roman" panose="02020603050405020304" pitchFamily="18" charset="0"/>
+              </a:rPr>
+              <a:t>'</a:t>
+            </a:r>
+            <a:r>
+              <a:rPr lang="en-US" sz="2400" dirty="0">
+                <a:solidFill>
+                  <a:schemeClr val="tx1"/>
+                </a:solidFill>
+                <a:latin typeface="Times New Roman" panose="02020603050405020304" pitchFamily="18" charset="0"/>
+                <a:cs typeface="Times New Roman" panose="02020603050405020304" pitchFamily="18" charset="0"/>
+              </a:rPr>
+              <a:t>O </a:t>
             </a:r>
             <a:r>
               <a:rPr lang="en-US" sz="2400" dirty="0" err="1">
@@ -6524,7 +6664,24 @@
                 <a:latin typeface="Times New Roman" panose="02020603050405020304" pitchFamily="18" charset="0"/>
                 <a:cs typeface="Times New Roman" panose="02020603050405020304" pitchFamily="18" charset="0"/>
               </a:rPr>
-              <a:t> é " + adulto3)</a:t>
+              <a:t> é </a:t>
+            </a:r>
+            <a:r>
+              <a:rPr lang="en-US" sz="2400" dirty="0">
+                <a:latin typeface="Times New Roman" panose="02020603050405020304" pitchFamily="18" charset="0"/>
+                <a:cs typeface="Times New Roman" panose="02020603050405020304" pitchFamily="18" charset="0"/>
+              </a:rPr>
+              <a:t>'</a:t>
+            </a:r>
+            <a:r>
+              <a:rPr lang="en-US" sz="2400" dirty="0">
+                <a:solidFill>
+                  <a:schemeClr val="tx1"/>
+                </a:solidFill>
+                <a:latin typeface="Times New Roman" panose="02020603050405020304" pitchFamily="18" charset="0"/>
+                <a:cs typeface="Times New Roman" panose="02020603050405020304" pitchFamily="18" charset="0"/>
+              </a:rPr>
+              <a:t> + adulto3)</a:t>
             </a:r>
           </a:p>
           <a:p>
@@ -6549,7 +6706,109 @@
                 <a:latin typeface="Times New Roman" panose="02020603050405020304" pitchFamily="18" charset="0"/>
                 <a:cs typeface="Times New Roman" panose="02020603050405020304" pitchFamily="18" charset="0"/>
               </a:rPr>
-              <a:t>(adulto1 = “Juju", adulto2 = “Paulo", adulto3 = “João")</a:t>
+              <a:t>(adulto1 = </a:t>
+            </a:r>
+            <a:r>
+              <a:rPr lang="en-US" sz="2400" dirty="0">
+                <a:latin typeface="Times New Roman" panose="02020603050405020304" pitchFamily="18" charset="0"/>
+                <a:cs typeface="Times New Roman" panose="02020603050405020304" pitchFamily="18" charset="0"/>
+              </a:rPr>
+              <a:t>'</a:t>
+            </a:r>
+            <a:r>
+              <a:rPr lang="en-US" sz="2400" dirty="0">
+                <a:solidFill>
+                  <a:schemeClr val="tx1"/>
+                </a:solidFill>
+                <a:latin typeface="Times New Roman" panose="02020603050405020304" pitchFamily="18" charset="0"/>
+                <a:cs typeface="Times New Roman" panose="02020603050405020304" pitchFamily="18" charset="0"/>
+              </a:rPr>
+              <a:t>Juju</a:t>
+            </a:r>
+            <a:r>
+              <a:rPr lang="en-US" sz="2400" dirty="0">
+                <a:latin typeface="Times New Roman" panose="02020603050405020304" pitchFamily="18" charset="0"/>
+                <a:cs typeface="Times New Roman" panose="02020603050405020304" pitchFamily="18" charset="0"/>
+              </a:rPr>
+              <a:t>'</a:t>
+            </a:r>
+            <a:r>
+              <a:rPr lang="en-US" sz="2400" dirty="0">
+                <a:solidFill>
+                  <a:schemeClr val="tx1"/>
+                </a:solidFill>
+                <a:latin typeface="Times New Roman" panose="02020603050405020304" pitchFamily="18" charset="0"/>
+                <a:cs typeface="Times New Roman" panose="02020603050405020304" pitchFamily="18" charset="0"/>
+              </a:rPr>
+              <a:t>, adulto2 = </a:t>
+            </a:r>
+            <a:r>
+              <a:rPr lang="en-US" sz="2400" dirty="0">
+                <a:latin typeface="Times New Roman" panose="02020603050405020304" pitchFamily="18" charset="0"/>
+                <a:cs typeface="Times New Roman" panose="02020603050405020304" pitchFamily="18" charset="0"/>
+              </a:rPr>
+              <a:t>'</a:t>
+            </a:r>
+            <a:r>
+              <a:rPr lang="en-US" sz="2400" dirty="0">
+                <a:solidFill>
+                  <a:schemeClr val="tx1"/>
+                </a:solidFill>
+                <a:latin typeface="Times New Roman" panose="02020603050405020304" pitchFamily="18" charset="0"/>
+                <a:cs typeface="Times New Roman" panose="02020603050405020304" pitchFamily="18" charset="0"/>
+              </a:rPr>
+              <a:t>Paulo</a:t>
+            </a:r>
+            <a:r>
+              <a:rPr lang="en-US" sz="2400" dirty="0">
+                <a:latin typeface="Times New Roman" panose="02020603050405020304" pitchFamily="18" charset="0"/>
+                <a:cs typeface="Times New Roman" panose="02020603050405020304" pitchFamily="18" charset="0"/>
+              </a:rPr>
+              <a:t>'</a:t>
+            </a:r>
+            <a:r>
+              <a:rPr lang="en-US" sz="2400" dirty="0">
+                <a:solidFill>
+                  <a:schemeClr val="tx1"/>
+                </a:solidFill>
+                <a:latin typeface="Times New Roman" panose="02020603050405020304" pitchFamily="18" charset="0"/>
+                <a:cs typeface="Times New Roman" panose="02020603050405020304" pitchFamily="18" charset="0"/>
+              </a:rPr>
+              <a:t>, adulto3 = </a:t>
+            </a:r>
+            <a:r>
+              <a:rPr lang="en-US" sz="2400" dirty="0">
+                <a:latin typeface="Times New Roman" panose="02020603050405020304" pitchFamily="18" charset="0"/>
+                <a:cs typeface="Times New Roman" panose="02020603050405020304" pitchFamily="18" charset="0"/>
+              </a:rPr>
+              <a:t>'</a:t>
+            </a:r>
+            <a:r>
+              <a:rPr lang="en-US" sz="2400" dirty="0">
+                <a:solidFill>
+                  <a:schemeClr val="tx1"/>
+                </a:solidFill>
+                <a:latin typeface="Times New Roman" panose="02020603050405020304" pitchFamily="18" charset="0"/>
+                <a:cs typeface="Times New Roman" panose="02020603050405020304" pitchFamily="18" charset="0"/>
+              </a:rPr>
+              <a:t>João</a:t>
+            </a:r>
+            <a:r>
+              <a:rPr lang="en-US" sz="2400" dirty="0">
+                <a:latin typeface="Times New Roman" panose="02020603050405020304" pitchFamily="18" charset="0"/>
+                <a:cs typeface="Times New Roman" panose="02020603050405020304" pitchFamily="18" charset="0"/>
+              </a:rPr>
+              <a:t>'</a:t>
+            </a:r>
+            <a:r>
+              <a:rPr lang="en-US" sz="2400" dirty="0">
+                <a:solidFill>
+                  <a:schemeClr val="tx1"/>
+                </a:solidFill>
+                <a:latin typeface="Times New Roman" panose="02020603050405020304" pitchFamily="18" charset="0"/>
+                <a:cs typeface="Times New Roman" panose="02020603050405020304" pitchFamily="18" charset="0"/>
+              </a:rPr>
+              <a:t>)</a:t>
             </a:r>
           </a:p>
         </p:txBody>
@@ -6791,7 +7050,14 @@
                 <a:latin typeface="Times New Roman" panose="02020603050405020304" pitchFamily="18" charset="0"/>
                 <a:cs typeface="Times New Roman" panose="02020603050405020304" pitchFamily="18" charset="0"/>
               </a:rPr>
-              <a:t>  print(“</a:t>
+              <a:t>  print(</a:t>
+            </a:r>
+            <a:r>
+              <a:rPr lang="en-US" sz="2400" dirty="0">
+                <a:latin typeface="Times New Roman" panose="02020603050405020304" pitchFamily="18" charset="0"/>
+                <a:cs typeface="Times New Roman" panose="02020603050405020304" pitchFamily="18" charset="0"/>
+              </a:rPr>
+              <a:t>'</a:t>
             </a:r>
             <a:r>
               <a:rPr lang="en-US" sz="2400" dirty="0">
@@ -6851,7 +7117,24 @@
                 <a:latin typeface="Times New Roman" panose="02020603050405020304" pitchFamily="18" charset="0"/>
                 <a:cs typeface="Times New Roman" panose="02020603050405020304" pitchFamily="18" charset="0"/>
               </a:rPr>
-              <a:t> " + </a:t>
+              <a:t> </a:t>
+            </a:r>
+            <a:r>
+              <a:rPr lang="en-US" sz="2400" dirty="0">
+                <a:latin typeface="Times New Roman" panose="02020603050405020304" pitchFamily="18" charset="0"/>
+                <a:cs typeface="Times New Roman" panose="02020603050405020304" pitchFamily="18" charset="0"/>
+              </a:rPr>
+              <a:t>'</a:t>
+            </a:r>
+            <a:r>
+              <a:rPr lang="en-US" sz="2400" b="1" dirty="0">
+                <a:solidFill>
+                  <a:schemeClr val="tx1"/>
+                </a:solidFill>
+                <a:latin typeface="Times New Roman" panose="02020603050405020304" pitchFamily="18" charset="0"/>
+                <a:cs typeface="Times New Roman" panose="02020603050405020304" pitchFamily="18" charset="0"/>
+              </a:rPr>
+              <a:t> + </a:t>
             </a:r>
             <a:r>
               <a:rPr lang="en-US" sz="2400" b="1" dirty="0" err="1">
@@ -6871,7 +7154,14 @@
                 <a:latin typeface="Times New Roman" panose="02020603050405020304" pitchFamily="18" charset="0"/>
                 <a:cs typeface="Times New Roman" panose="02020603050405020304" pitchFamily="18" charset="0"/>
               </a:rPr>
-              <a:t>["</a:t>
+              <a:t>[</a:t>
+            </a:r>
+            <a:r>
+              <a:rPr lang="en-US" sz="2400" dirty="0">
+                <a:latin typeface="Times New Roman" panose="02020603050405020304" pitchFamily="18" charset="0"/>
+                <a:cs typeface="Times New Roman" panose="02020603050405020304" pitchFamily="18" charset="0"/>
+              </a:rPr>
+              <a:t>'</a:t>
             </a:r>
             <a:r>
               <a:rPr lang="en-US" sz="2400" b="1" dirty="0" err="1">
@@ -6884,6 +7174,13 @@
               <a:t>lnome</a:t>
             </a:r>
             <a:r>
+              <a:rPr lang="en-US" sz="2400" dirty="0">
+                <a:latin typeface="Times New Roman" panose="02020603050405020304" pitchFamily="18" charset="0"/>
+                <a:cs typeface="Times New Roman" panose="02020603050405020304" pitchFamily="18" charset="0"/>
+              </a:rPr>
+              <a:t>'</a:t>
+            </a:r>
+            <a:r>
               <a:rPr lang="en-US" sz="2400" b="1" dirty="0">
                 <a:solidFill>
                   <a:schemeClr val="tx1"/>
@@ -6891,7 +7188,7 @@
                 <a:latin typeface="Times New Roman" panose="02020603050405020304" pitchFamily="18" charset="0"/>
                 <a:cs typeface="Times New Roman" panose="02020603050405020304" pitchFamily="18" charset="0"/>
               </a:rPr>
-              <a:t>"])</a:t>
+              <a:t>])</a:t>
             </a:r>
           </a:p>
           <a:p>
@@ -6948,7 +7245,14 @@
                 <a:latin typeface="Times New Roman" panose="02020603050405020304" pitchFamily="18" charset="0"/>
                 <a:cs typeface="Times New Roman" panose="02020603050405020304" pitchFamily="18" charset="0"/>
               </a:rPr>
-              <a:t> = “</a:t>
+              <a:t> = </a:t>
+            </a:r>
+            <a:r>
+              <a:rPr lang="en-US" sz="2400" dirty="0">
+                <a:latin typeface="Times New Roman" panose="02020603050405020304" pitchFamily="18" charset="0"/>
+                <a:cs typeface="Times New Roman" panose="02020603050405020304" pitchFamily="18" charset="0"/>
+              </a:rPr>
+              <a:t>'</a:t>
             </a:r>
             <a:r>
               <a:rPr lang="en-US" sz="2400" dirty="0">
@@ -6961,6 +7265,13 @@
               <a:t>Julia</a:t>
             </a:r>
             <a:r>
+              <a:rPr lang="en-US" sz="2400" dirty="0">
+                <a:latin typeface="Times New Roman" panose="02020603050405020304" pitchFamily="18" charset="0"/>
+                <a:cs typeface="Times New Roman" panose="02020603050405020304" pitchFamily="18" charset="0"/>
+              </a:rPr>
+              <a:t>'</a:t>
+            </a:r>
+            <a:r>
               <a:rPr lang="en-US" sz="2400" b="1" dirty="0">
                 <a:solidFill>
                   <a:schemeClr val="tx1"/>
@@ -6968,7 +7279,7 @@
                 <a:latin typeface="Times New Roman" panose="02020603050405020304" pitchFamily="18" charset="0"/>
                 <a:cs typeface="Times New Roman" panose="02020603050405020304" pitchFamily="18" charset="0"/>
               </a:rPr>
-              <a:t>", </a:t>
+              <a:t>, </a:t>
             </a:r>
             <a:r>
               <a:rPr lang="en-US" sz="2400" b="1" dirty="0" err="1">
@@ -6988,7 +7299,14 @@
                 <a:latin typeface="Times New Roman" panose="02020603050405020304" pitchFamily="18" charset="0"/>
                 <a:cs typeface="Times New Roman" panose="02020603050405020304" pitchFamily="18" charset="0"/>
               </a:rPr>
-              <a:t> = “</a:t>
+              <a:t> = </a:t>
+            </a:r>
+            <a:r>
+              <a:rPr lang="en-US" sz="2400" dirty="0">
+                <a:latin typeface="Times New Roman" panose="02020603050405020304" pitchFamily="18" charset="0"/>
+                <a:cs typeface="Times New Roman" panose="02020603050405020304" pitchFamily="18" charset="0"/>
+              </a:rPr>
+              <a:t>'</a:t>
             </a:r>
             <a:r>
               <a:rPr lang="en-US" sz="2400" dirty="0">
@@ -7001,6 +7319,13 @@
               <a:t>Cardoso</a:t>
             </a:r>
             <a:r>
+              <a:rPr lang="en-US" sz="2400" dirty="0">
+                <a:latin typeface="Times New Roman" panose="02020603050405020304" pitchFamily="18" charset="0"/>
+                <a:cs typeface="Times New Roman" panose="02020603050405020304" pitchFamily="18" charset="0"/>
+              </a:rPr>
+              <a:t>'</a:t>
+            </a:r>
+            <a:r>
               <a:rPr lang="en-US" sz="2400" b="1" dirty="0">
                 <a:solidFill>
                   <a:schemeClr val="tx1"/>
@@ -7008,7 +7333,7 @@
                 <a:latin typeface="Times New Roman" panose="02020603050405020304" pitchFamily="18" charset="0"/>
                 <a:cs typeface="Times New Roman" panose="02020603050405020304" pitchFamily="18" charset="0"/>
               </a:rPr>
-              <a:t>")</a:t>
+              <a:t>)</a:t>
             </a:r>
             <a:endParaRPr lang="en-US" sz="2400" dirty="0">
               <a:solidFill>
@@ -7290,7 +7615,14 @@
                 <a:latin typeface="Times New Roman" panose="02020603050405020304" pitchFamily="18" charset="0"/>
                 <a:cs typeface="Times New Roman" panose="02020603050405020304" pitchFamily="18" charset="0"/>
               </a:rPr>
-              <a:t> = [“</a:t>
+              <a:t> = [</a:t>
+            </a:r>
+            <a:r>
+              <a:rPr lang="en-US" sz="2400" dirty="0">
+                <a:latin typeface="Times New Roman" panose="02020603050405020304" pitchFamily="18" charset="0"/>
+                <a:cs typeface="Times New Roman" panose="02020603050405020304" pitchFamily="18" charset="0"/>
+              </a:rPr>
+              <a:t>'</a:t>
             </a:r>
             <a:r>
               <a:rPr lang="en-US" sz="2400" dirty="0" err="1">
@@ -7304,13 +7636,61 @@
             </a:r>
             <a:r>
               <a:rPr lang="en-US" sz="2400" dirty="0">
-                <a:solidFill>
-                  <a:schemeClr val="tx1"/>
-                </a:solidFill>
-                <a:latin typeface="Times New Roman" panose="02020603050405020304" pitchFamily="18" charset="0"/>
-                <a:cs typeface="Times New Roman" panose="02020603050405020304" pitchFamily="18" charset="0"/>
-              </a:rPr>
-              <a:t>", "banana", “</a:t>
+                <a:latin typeface="Times New Roman" panose="02020603050405020304" pitchFamily="18" charset="0"/>
+                <a:cs typeface="Times New Roman" panose="02020603050405020304" pitchFamily="18" charset="0"/>
+              </a:rPr>
+              <a:t>'</a:t>
+            </a:r>
+            <a:r>
+              <a:rPr lang="en-US" sz="2400" dirty="0">
+                <a:solidFill>
+                  <a:schemeClr val="tx1"/>
+                </a:solidFill>
+                <a:latin typeface="Times New Roman" panose="02020603050405020304" pitchFamily="18" charset="0"/>
+                <a:cs typeface="Times New Roman" panose="02020603050405020304" pitchFamily="18" charset="0"/>
+              </a:rPr>
+              <a:t>, </a:t>
+            </a:r>
+            <a:r>
+              <a:rPr lang="en-US" sz="2400" dirty="0">
+                <a:latin typeface="Times New Roman" panose="02020603050405020304" pitchFamily="18" charset="0"/>
+                <a:cs typeface="Times New Roman" panose="02020603050405020304" pitchFamily="18" charset="0"/>
+              </a:rPr>
+              <a:t>'</a:t>
+            </a:r>
+            <a:r>
+              <a:rPr lang="en-US" sz="2400" dirty="0">
+                <a:solidFill>
+                  <a:schemeClr val="tx1"/>
+                </a:solidFill>
+                <a:latin typeface="Times New Roman" panose="02020603050405020304" pitchFamily="18" charset="0"/>
+                <a:cs typeface="Times New Roman" panose="02020603050405020304" pitchFamily="18" charset="0"/>
+              </a:rPr>
+              <a:t>banana</a:t>
+            </a:r>
+            <a:r>
+              <a:rPr lang="en-US" sz="2400" dirty="0">
+                <a:latin typeface="Times New Roman" panose="02020603050405020304" pitchFamily="18" charset="0"/>
+                <a:cs typeface="Times New Roman" panose="02020603050405020304" pitchFamily="18" charset="0"/>
+              </a:rPr>
+              <a:t>'</a:t>
+            </a:r>
+            <a:r>
+              <a:rPr lang="en-US" sz="2400" dirty="0">
+                <a:solidFill>
+                  <a:schemeClr val="tx1"/>
+                </a:solidFill>
+                <a:latin typeface="Times New Roman" panose="02020603050405020304" pitchFamily="18" charset="0"/>
+                <a:cs typeface="Times New Roman" panose="02020603050405020304" pitchFamily="18" charset="0"/>
+              </a:rPr>
+              <a:t>, </a:t>
+            </a:r>
+            <a:r>
+              <a:rPr lang="en-US" sz="2400" dirty="0">
+                <a:latin typeface="Times New Roman" panose="02020603050405020304" pitchFamily="18" charset="0"/>
+                <a:cs typeface="Times New Roman" panose="02020603050405020304" pitchFamily="18" charset="0"/>
+              </a:rPr>
+              <a:t>'</a:t>
             </a:r>
             <a:r>
               <a:rPr lang="en-US" sz="2400" dirty="0" err="1">
@@ -7324,13 +7704,20 @@
             </a:r>
             <a:r>
               <a:rPr lang="en-US" sz="2400" dirty="0">
-                <a:solidFill>
-                  <a:schemeClr val="tx1"/>
-                </a:solidFill>
-                <a:latin typeface="Times New Roman" panose="02020603050405020304" pitchFamily="18" charset="0"/>
-                <a:cs typeface="Times New Roman" panose="02020603050405020304" pitchFamily="18" charset="0"/>
-              </a:rPr>
-              <a:t>"]</a:t>
+                <a:latin typeface="Times New Roman" panose="02020603050405020304" pitchFamily="18" charset="0"/>
+                <a:cs typeface="Times New Roman" panose="02020603050405020304" pitchFamily="18" charset="0"/>
+              </a:rPr>
+              <a:t>'</a:t>
+            </a:r>
+            <a:r>
+              <a:rPr lang="en-US" sz="2400" dirty="0">
+                <a:solidFill>
+                  <a:schemeClr val="tx1"/>
+                </a:solidFill>
+                <a:latin typeface="Times New Roman" panose="02020603050405020304" pitchFamily="18" charset="0"/>
+                <a:cs typeface="Times New Roman" panose="02020603050405020304" pitchFamily="18" charset="0"/>
+              </a:rPr>
+              <a:t>]</a:t>
             </a:r>
           </a:p>
           <a:p>
@@ -8012,7 +8399,7 @@
                 <a:latin typeface="Times New Roman" panose="02020603050405020304" pitchFamily="18" charset="0"/>
                 <a:cs typeface="Times New Roman" panose="02020603050405020304" pitchFamily="18" charset="0"/>
               </a:rPr>
-              <a:t>(“oi”)</a:t>
+              <a:t>('oi')</a:t>
             </a:r>
           </a:p>
         </p:txBody>
@@ -8404,7 +8791,7 @@
                 <a:latin typeface="Times New Roman" panose="02020603050405020304" pitchFamily="18" charset="0"/>
                 <a:cs typeface="Times New Roman" panose="02020603050405020304" pitchFamily="18" charset="0"/>
               </a:rPr>
-              <a:t>("\n\</a:t>
+              <a:t>('\n\</a:t>
             </a:r>
             <a:r>
               <a:rPr lang="en-US" sz="1800" dirty="0" err="1">
@@ -8418,7 +8805,7 @@
                 <a:latin typeface="Times New Roman" panose="02020603050405020304" pitchFamily="18" charset="0"/>
                 <a:cs typeface="Times New Roman" panose="02020603050405020304" pitchFamily="18" charset="0"/>
               </a:rPr>
-              <a:t> Example Results")</a:t>
+              <a:t> Example Results')</a:t>
             </a:r>
           </a:p>
           <a:p>
@@ -9581,7 +9968,7 @@
               <a:buChar char="-"/>
             </a:pPr>
             <a:r>
-              <a:rPr lang="pt-BR" dirty="0">
+              <a:rPr lang="pt-BR" sz="2400" dirty="0">
                 <a:latin typeface="Times New Roman" panose="02020603050405020304" pitchFamily="18" charset="0"/>
                 <a:cs typeface="Times New Roman" panose="02020603050405020304" pitchFamily="18" charset="0"/>
               </a:rPr>
@@ -9589,11 +9976,31 @@
             </a:r>
           </a:p>
           <a:p>
+            <a:pPr algn="just">
+              <a:buFontTx/>
+              <a:buChar char="-"/>
+            </a:pPr>
+            <a:endParaRPr lang="pt-BR" sz="2400" dirty="0">
+              <a:latin typeface="Times New Roman" panose="02020603050405020304" pitchFamily="18" charset="0"/>
+              <a:cs typeface="Times New Roman" panose="02020603050405020304" pitchFamily="18" charset="0"/>
+            </a:endParaRPr>
+          </a:p>
+          <a:p>
+            <a:pPr algn="just">
+              <a:buFontTx/>
+              <a:buChar char="-"/>
+            </a:pPr>
+            <a:endParaRPr lang="pt-BR" sz="2400" dirty="0">
+              <a:latin typeface="Times New Roman" panose="02020603050405020304" pitchFamily="18" charset="0"/>
+              <a:cs typeface="Times New Roman" panose="02020603050405020304" pitchFamily="18" charset="0"/>
+            </a:endParaRPr>
+          </a:p>
+          <a:p>
             <a:pPr marL="0" indent="0" algn="just">
               <a:buNone/>
             </a:pPr>
             <a:r>
-              <a:rPr lang="pt-BR" dirty="0">
+              <a:rPr lang="pt-BR" sz="2400" dirty="0">
                 <a:latin typeface="Times New Roman" panose="02020603050405020304" pitchFamily="18" charset="0"/>
                 <a:cs typeface="Times New Roman" panose="02020603050405020304" pitchFamily="18" charset="0"/>
               </a:rPr>
@@ -11439,7 +11846,41 @@
                 <a:latin typeface="Times New Roman" panose="02020603050405020304" pitchFamily="18" charset="0"/>
                 <a:cs typeface="Times New Roman" panose="02020603050405020304" pitchFamily="18" charset="0"/>
               </a:rPr>
-              <a:t> + " Cardoso")</a:t>
+              <a:t> + </a:t>
+            </a:r>
+            <a:r>
+              <a:rPr lang="en-US" sz="2400" dirty="0">
+                <a:latin typeface="Times New Roman" panose="02020603050405020304" pitchFamily="18" charset="0"/>
+                <a:cs typeface="Times New Roman" panose="02020603050405020304" pitchFamily="18" charset="0"/>
+              </a:rPr>
+              <a:t>' </a:t>
+            </a:r>
+            <a:r>
+              <a:rPr lang="en-US" sz="2400" dirty="0">
+                <a:solidFill>
+                  <a:schemeClr val="tx1"/>
+                </a:solidFill>
+                <a:latin typeface="Times New Roman" panose="02020603050405020304" pitchFamily="18" charset="0"/>
+                <a:cs typeface="Times New Roman" panose="02020603050405020304" pitchFamily="18" charset="0"/>
+              </a:rPr>
+              <a:t>Cardoso</a:t>
+            </a:r>
+            <a:r>
+              <a:rPr lang="en-US" sz="2400" dirty="0">
+                <a:latin typeface="Times New Roman" panose="02020603050405020304" pitchFamily="18" charset="0"/>
+                <a:cs typeface="Times New Roman" panose="02020603050405020304" pitchFamily="18" charset="0"/>
+              </a:rPr>
+              <a:t>'</a:t>
+            </a:r>
+            <a:r>
+              <a:rPr lang="en-US" sz="2400" dirty="0">
+                <a:solidFill>
+                  <a:schemeClr val="tx1"/>
+                </a:solidFill>
+                <a:latin typeface="Times New Roman" panose="02020603050405020304" pitchFamily="18" charset="0"/>
+                <a:cs typeface="Times New Roman" panose="02020603050405020304" pitchFamily="18" charset="0"/>
+              </a:rPr>
+              <a:t>)</a:t>
             </a:r>
           </a:p>
           <a:p>
@@ -11476,7 +11917,41 @@
                 <a:latin typeface="Times New Roman" panose="02020603050405020304" pitchFamily="18" charset="0"/>
                 <a:cs typeface="Times New Roman" panose="02020603050405020304" pitchFamily="18" charset="0"/>
               </a:rPr>
-              <a:t>(“Julia")</a:t>
+              <a:t>(</a:t>
+            </a:r>
+            <a:r>
+              <a:rPr lang="en-US" sz="2400" dirty="0">
+                <a:latin typeface="Times New Roman" panose="02020603050405020304" pitchFamily="18" charset="0"/>
+                <a:cs typeface="Times New Roman" panose="02020603050405020304" pitchFamily="18" charset="0"/>
+              </a:rPr>
+              <a:t>'</a:t>
+            </a:r>
+            <a:r>
+              <a:rPr lang="en-US" sz="2400" dirty="0">
+                <a:solidFill>
+                  <a:schemeClr val="tx1"/>
+                </a:solidFill>
+                <a:latin typeface="Times New Roman" panose="02020603050405020304" pitchFamily="18" charset="0"/>
+                <a:cs typeface="Times New Roman" panose="02020603050405020304" pitchFamily="18" charset="0"/>
+              </a:rPr>
+              <a:t>Julia</a:t>
+            </a:r>
+            <a:r>
+              <a:rPr lang="en-US" sz="2400" dirty="0">
+                <a:latin typeface="Times New Roman" panose="02020603050405020304" pitchFamily="18" charset="0"/>
+                <a:cs typeface="Times New Roman" panose="02020603050405020304" pitchFamily="18" charset="0"/>
+              </a:rPr>
+              <a:t>'</a:t>
+            </a:r>
+            <a:r>
+              <a:rPr lang="en-US" sz="2400" dirty="0">
+                <a:solidFill>
+                  <a:schemeClr val="tx1"/>
+                </a:solidFill>
+                <a:latin typeface="Times New Roman" panose="02020603050405020304" pitchFamily="18" charset="0"/>
+                <a:cs typeface="Times New Roman" panose="02020603050405020304" pitchFamily="18" charset="0"/>
+              </a:rPr>
+              <a:t>)</a:t>
             </a:r>
           </a:p>
           <a:p>
@@ -11501,7 +11976,41 @@
                 <a:latin typeface="Times New Roman" panose="02020603050405020304" pitchFamily="18" charset="0"/>
                 <a:cs typeface="Times New Roman" panose="02020603050405020304" pitchFamily="18" charset="0"/>
               </a:rPr>
-              <a:t>(“Josy")</a:t>
+              <a:t>(</a:t>
+            </a:r>
+            <a:r>
+              <a:rPr lang="en-US" sz="2400" dirty="0">
+                <a:latin typeface="Times New Roman" panose="02020603050405020304" pitchFamily="18" charset="0"/>
+                <a:cs typeface="Times New Roman" panose="02020603050405020304" pitchFamily="18" charset="0"/>
+              </a:rPr>
+              <a:t>'</a:t>
+            </a:r>
+            <a:r>
+              <a:rPr lang="en-US" sz="2400" dirty="0">
+                <a:solidFill>
+                  <a:schemeClr val="tx1"/>
+                </a:solidFill>
+                <a:latin typeface="Times New Roman" panose="02020603050405020304" pitchFamily="18" charset="0"/>
+                <a:cs typeface="Times New Roman" panose="02020603050405020304" pitchFamily="18" charset="0"/>
+              </a:rPr>
+              <a:t>Josy</a:t>
+            </a:r>
+            <a:r>
+              <a:rPr lang="en-US" sz="2400" dirty="0">
+                <a:latin typeface="Times New Roman" panose="02020603050405020304" pitchFamily="18" charset="0"/>
+                <a:cs typeface="Times New Roman" panose="02020603050405020304" pitchFamily="18" charset="0"/>
+              </a:rPr>
+              <a:t>'</a:t>
+            </a:r>
+            <a:r>
+              <a:rPr lang="en-US" sz="2400" dirty="0">
+                <a:solidFill>
+                  <a:schemeClr val="tx1"/>
+                </a:solidFill>
+                <a:latin typeface="Times New Roman" panose="02020603050405020304" pitchFamily="18" charset="0"/>
+                <a:cs typeface="Times New Roman" panose="02020603050405020304" pitchFamily="18" charset="0"/>
+              </a:rPr>
+              <a:t>)</a:t>
             </a:r>
           </a:p>
           <a:p>
@@ -11526,7 +12035,41 @@
                 <a:latin typeface="Times New Roman" panose="02020603050405020304" pitchFamily="18" charset="0"/>
                 <a:cs typeface="Times New Roman" panose="02020603050405020304" pitchFamily="18" charset="0"/>
               </a:rPr>
-              <a:t>(“Maria")</a:t>
+              <a:t>(</a:t>
+            </a:r>
+            <a:r>
+              <a:rPr lang="en-US" sz="2400" dirty="0">
+                <a:latin typeface="Times New Roman" panose="02020603050405020304" pitchFamily="18" charset="0"/>
+                <a:cs typeface="Times New Roman" panose="02020603050405020304" pitchFamily="18" charset="0"/>
+              </a:rPr>
+              <a:t>'</a:t>
+            </a:r>
+            <a:r>
+              <a:rPr lang="en-US" sz="2400" dirty="0">
+                <a:solidFill>
+                  <a:schemeClr val="tx1"/>
+                </a:solidFill>
+                <a:latin typeface="Times New Roman" panose="02020603050405020304" pitchFamily="18" charset="0"/>
+                <a:cs typeface="Times New Roman" panose="02020603050405020304" pitchFamily="18" charset="0"/>
+              </a:rPr>
+              <a:t>Maria</a:t>
+            </a:r>
+            <a:r>
+              <a:rPr lang="en-US" sz="2400" dirty="0">
+                <a:latin typeface="Times New Roman" panose="02020603050405020304" pitchFamily="18" charset="0"/>
+                <a:cs typeface="Times New Roman" panose="02020603050405020304" pitchFamily="18" charset="0"/>
+              </a:rPr>
+              <a:t>'</a:t>
+            </a:r>
+            <a:r>
+              <a:rPr lang="en-US" sz="2400" dirty="0">
+                <a:solidFill>
+                  <a:schemeClr val="tx1"/>
+                </a:solidFill>
+                <a:latin typeface="Times New Roman" panose="02020603050405020304" pitchFamily="18" charset="0"/>
+                <a:cs typeface="Times New Roman" panose="02020603050405020304" pitchFamily="18" charset="0"/>
+              </a:rPr>
+              <a:t>)</a:t>
             </a:r>
             <a:endParaRPr lang="pt-BR" sz="2400" dirty="0">
               <a:solidFill>
@@ -11813,7 +12356,41 @@
                 <a:latin typeface="Times New Roman" panose="02020603050405020304" pitchFamily="18" charset="0"/>
                 <a:cs typeface="Times New Roman" panose="02020603050405020304" pitchFamily="18" charset="0"/>
               </a:rPr>
-              <a:t> + " " + </a:t>
+              <a:t> + </a:t>
+            </a:r>
+            <a:r>
+              <a:rPr lang="en-US" sz="2400" dirty="0">
+                <a:latin typeface="Times New Roman" panose="02020603050405020304" pitchFamily="18" charset="0"/>
+                <a:cs typeface="Times New Roman" panose="02020603050405020304" pitchFamily="18" charset="0"/>
+              </a:rPr>
+              <a:t>'</a:t>
+            </a:r>
+            <a:r>
+              <a:rPr lang="en-US" sz="2400" dirty="0">
+                <a:solidFill>
+                  <a:schemeClr val="tx1"/>
+                </a:solidFill>
+                <a:latin typeface="Times New Roman" panose="02020603050405020304" pitchFamily="18" charset="0"/>
+                <a:cs typeface="Times New Roman" panose="02020603050405020304" pitchFamily="18" charset="0"/>
+              </a:rPr>
+              <a:t> </a:t>
+            </a:r>
+            <a:r>
+              <a:rPr lang="en-US" sz="2400" dirty="0">
+                <a:latin typeface="Times New Roman" panose="02020603050405020304" pitchFamily="18" charset="0"/>
+                <a:cs typeface="Times New Roman" panose="02020603050405020304" pitchFamily="18" charset="0"/>
+              </a:rPr>
+              <a:t>'</a:t>
+            </a:r>
+            <a:r>
+              <a:rPr lang="en-US" sz="2400" dirty="0">
+                <a:solidFill>
+                  <a:schemeClr val="tx1"/>
+                </a:solidFill>
+                <a:latin typeface="Times New Roman" panose="02020603050405020304" pitchFamily="18" charset="0"/>
+                <a:cs typeface="Times New Roman" panose="02020603050405020304" pitchFamily="18" charset="0"/>
+              </a:rPr>
+              <a:t> + </a:t>
             </a:r>
             <a:r>
               <a:rPr lang="en-US" sz="2400" dirty="0" err="1">
@@ -11870,7 +12447,75 @@
                 <a:latin typeface="Times New Roman" panose="02020603050405020304" pitchFamily="18" charset="0"/>
                 <a:cs typeface="Times New Roman" panose="02020603050405020304" pitchFamily="18" charset="0"/>
               </a:rPr>
-              <a:t>(“Julia", “Cardoso")</a:t>
+              <a:t>(</a:t>
+            </a:r>
+            <a:r>
+              <a:rPr lang="en-US" sz="2400" dirty="0">
+                <a:latin typeface="Times New Roman" panose="02020603050405020304" pitchFamily="18" charset="0"/>
+                <a:cs typeface="Times New Roman" panose="02020603050405020304" pitchFamily="18" charset="0"/>
+              </a:rPr>
+              <a:t>'</a:t>
+            </a:r>
+            <a:r>
+              <a:rPr lang="en-US" sz="2400" dirty="0">
+                <a:solidFill>
+                  <a:schemeClr val="tx1"/>
+                </a:solidFill>
+                <a:latin typeface="Times New Roman" panose="02020603050405020304" pitchFamily="18" charset="0"/>
+                <a:cs typeface="Times New Roman" panose="02020603050405020304" pitchFamily="18" charset="0"/>
+              </a:rPr>
+              <a:t>Julia</a:t>
+            </a:r>
+            <a:r>
+              <a:rPr lang="en-US" sz="2400" dirty="0">
+                <a:latin typeface="Times New Roman" panose="02020603050405020304" pitchFamily="18" charset="0"/>
+                <a:cs typeface="Times New Roman" panose="02020603050405020304" pitchFamily="18" charset="0"/>
+              </a:rPr>
+              <a:t>'</a:t>
+            </a:r>
+            <a:r>
+              <a:rPr lang="en-US" sz="2400" dirty="0">
+                <a:solidFill>
+                  <a:schemeClr val="tx1"/>
+                </a:solidFill>
+                <a:latin typeface="Times New Roman" panose="02020603050405020304" pitchFamily="18" charset="0"/>
+                <a:cs typeface="Times New Roman" panose="02020603050405020304" pitchFamily="18" charset="0"/>
+              </a:rPr>
+              <a:t>, </a:t>
+            </a:r>
+            <a:r>
+              <a:rPr lang="en-US" sz="2400" dirty="0">
+                <a:latin typeface="Times New Roman" panose="02020603050405020304" pitchFamily="18" charset="0"/>
+                <a:cs typeface="Times New Roman" panose="02020603050405020304" pitchFamily="18" charset="0"/>
+              </a:rPr>
+              <a:t>'</a:t>
+            </a:r>
+            <a:r>
+              <a:rPr lang="en-US" sz="2400" dirty="0">
+                <a:solidFill>
+                  <a:schemeClr val="tx1"/>
+                </a:solidFill>
+                <a:latin typeface="Times New Roman" panose="02020603050405020304" pitchFamily="18" charset="0"/>
+                <a:cs typeface="Times New Roman" panose="02020603050405020304" pitchFamily="18" charset="0"/>
+              </a:rPr>
+              <a:t>Cardoso</a:t>
+            </a:r>
+            <a:r>
+              <a:rPr lang="en-US" sz="2400" dirty="0">
+                <a:latin typeface="Times New Roman" panose="02020603050405020304" pitchFamily="18" charset="0"/>
+                <a:cs typeface="Times New Roman" panose="02020603050405020304" pitchFamily="18" charset="0"/>
+              </a:rPr>
+              <a:t>'</a:t>
+            </a:r>
+            <a:r>
+              <a:rPr lang="en-US" sz="2400" dirty="0">
+                <a:solidFill>
+                  <a:schemeClr val="tx1"/>
+                </a:solidFill>
+                <a:latin typeface="Times New Roman" panose="02020603050405020304" pitchFamily="18" charset="0"/>
+                <a:cs typeface="Times New Roman" panose="02020603050405020304" pitchFamily="18" charset="0"/>
+              </a:rPr>
+              <a:t>)</a:t>
             </a:r>
             <a:endParaRPr lang="pt-BR" sz="2400" dirty="0">
               <a:solidFill>
@@ -12115,7 +12760,41 @@
                 <a:latin typeface="Times New Roman" panose="02020603050405020304" pitchFamily="18" charset="0"/>
                 <a:cs typeface="Times New Roman" panose="02020603050405020304" pitchFamily="18" charset="0"/>
               </a:rPr>
-              <a:t> + " " + </a:t>
+              <a:t> + </a:t>
+            </a:r>
+            <a:r>
+              <a:rPr lang="en-US" sz="2400" dirty="0">
+                <a:latin typeface="Times New Roman" panose="02020603050405020304" pitchFamily="18" charset="0"/>
+                <a:cs typeface="Times New Roman" panose="02020603050405020304" pitchFamily="18" charset="0"/>
+              </a:rPr>
+              <a:t>'</a:t>
+            </a:r>
+            <a:r>
+              <a:rPr lang="en-US" sz="2400" dirty="0">
+                <a:solidFill>
+                  <a:schemeClr val="tx1"/>
+                </a:solidFill>
+                <a:latin typeface="Times New Roman" panose="02020603050405020304" pitchFamily="18" charset="0"/>
+                <a:cs typeface="Times New Roman" panose="02020603050405020304" pitchFamily="18" charset="0"/>
+              </a:rPr>
+              <a:t> </a:t>
+            </a:r>
+            <a:r>
+              <a:rPr lang="en-US" sz="2400" dirty="0">
+                <a:latin typeface="Times New Roman" panose="02020603050405020304" pitchFamily="18" charset="0"/>
+                <a:cs typeface="Times New Roman" panose="02020603050405020304" pitchFamily="18" charset="0"/>
+              </a:rPr>
+              <a:t>'</a:t>
+            </a:r>
+            <a:r>
+              <a:rPr lang="en-US" sz="2400" dirty="0">
+                <a:solidFill>
+                  <a:schemeClr val="tx1"/>
+                </a:solidFill>
+                <a:latin typeface="Times New Roman" panose="02020603050405020304" pitchFamily="18" charset="0"/>
+                <a:cs typeface="Times New Roman" panose="02020603050405020304" pitchFamily="18" charset="0"/>
+              </a:rPr>
+              <a:t> + </a:t>
             </a:r>
             <a:r>
               <a:rPr lang="en-US" sz="2400" dirty="0" err="1">
@@ -12172,7 +12851,41 @@
                 <a:latin typeface="Times New Roman" panose="02020603050405020304" pitchFamily="18" charset="0"/>
                 <a:cs typeface="Times New Roman" panose="02020603050405020304" pitchFamily="18" charset="0"/>
               </a:rPr>
-              <a:t>(“Julia")</a:t>
+              <a:t>(</a:t>
+            </a:r>
+            <a:r>
+              <a:rPr lang="en-US" sz="2400" dirty="0">
+                <a:latin typeface="Times New Roman" panose="02020603050405020304" pitchFamily="18" charset="0"/>
+                <a:cs typeface="Times New Roman" panose="02020603050405020304" pitchFamily="18" charset="0"/>
+              </a:rPr>
+              <a:t>'</a:t>
+            </a:r>
+            <a:r>
+              <a:rPr lang="en-US" sz="2400" dirty="0">
+                <a:solidFill>
+                  <a:schemeClr val="tx1"/>
+                </a:solidFill>
+                <a:latin typeface="Times New Roman" panose="02020603050405020304" pitchFamily="18" charset="0"/>
+                <a:cs typeface="Times New Roman" panose="02020603050405020304" pitchFamily="18" charset="0"/>
+              </a:rPr>
+              <a:t>Julia</a:t>
+            </a:r>
+            <a:r>
+              <a:rPr lang="en-US" sz="2400" dirty="0">
+                <a:latin typeface="Times New Roman" panose="02020603050405020304" pitchFamily="18" charset="0"/>
+                <a:cs typeface="Times New Roman" panose="02020603050405020304" pitchFamily="18" charset="0"/>
+              </a:rPr>
+              <a:t>'</a:t>
+            </a:r>
+            <a:r>
+              <a:rPr lang="en-US" sz="2400" dirty="0">
+                <a:solidFill>
+                  <a:schemeClr val="tx1"/>
+                </a:solidFill>
+                <a:latin typeface="Times New Roman" panose="02020603050405020304" pitchFamily="18" charset="0"/>
+                <a:cs typeface="Times New Roman" panose="02020603050405020304" pitchFamily="18" charset="0"/>
+              </a:rPr>
+              <a:t>)</a:t>
             </a:r>
           </a:p>
           <a:p>
@@ -12250,7 +12963,7 @@
                 <a:latin typeface="Times New Roman" panose="02020603050405020304" pitchFamily="18" charset="0"/>
                 <a:cs typeface="Times New Roman" panose="02020603050405020304" pitchFamily="18" charset="0"/>
               </a:rPr>
-              <a:t>: ‘</a:t>
+              <a:t>: '</a:t>
             </a:r>
             <a:r>
               <a:rPr lang="en-US" sz="2400" b="1" dirty="0" err="1">
@@ -12499,7 +13212,41 @@
                 <a:latin typeface="Times New Roman" panose="02020603050405020304" pitchFamily="18" charset="0"/>
                 <a:cs typeface="Times New Roman" panose="02020603050405020304" pitchFamily="18" charset="0"/>
               </a:rPr>
-              <a:t>= " "):</a:t>
+              <a:t>= </a:t>
+            </a:r>
+            <a:r>
+              <a:rPr lang="en-US" sz="2400" dirty="0">
+                <a:latin typeface="Times New Roman" panose="02020603050405020304" pitchFamily="18" charset="0"/>
+                <a:cs typeface="Times New Roman" panose="02020603050405020304" pitchFamily="18" charset="0"/>
+              </a:rPr>
+              <a:t>'</a:t>
+            </a:r>
+            <a:r>
+              <a:rPr lang="en-US" sz="2400" dirty="0">
+                <a:solidFill>
+                  <a:schemeClr val="tx1"/>
+                </a:solidFill>
+                <a:latin typeface="Times New Roman" panose="02020603050405020304" pitchFamily="18" charset="0"/>
+                <a:cs typeface="Times New Roman" panose="02020603050405020304" pitchFamily="18" charset="0"/>
+              </a:rPr>
+              <a:t> </a:t>
+            </a:r>
+            <a:r>
+              <a:rPr lang="en-US" sz="2400" dirty="0">
+                <a:latin typeface="Times New Roman" panose="02020603050405020304" pitchFamily="18" charset="0"/>
+                <a:cs typeface="Times New Roman" panose="02020603050405020304" pitchFamily="18" charset="0"/>
+              </a:rPr>
+              <a:t>'</a:t>
+            </a:r>
+            <a:r>
+              <a:rPr lang="en-US" sz="2400" dirty="0">
+                <a:solidFill>
+                  <a:schemeClr val="tx1"/>
+                </a:solidFill>
+                <a:latin typeface="Times New Roman" panose="02020603050405020304" pitchFamily="18" charset="0"/>
+                <a:cs typeface="Times New Roman" panose="02020603050405020304" pitchFamily="18" charset="0"/>
+              </a:rPr>
+              <a:t>):</a:t>
             </a:r>
           </a:p>
           <a:p>
@@ -12554,7 +13301,41 @@
                 <a:latin typeface="Times New Roman" panose="02020603050405020304" pitchFamily="18" charset="0"/>
                 <a:cs typeface="Times New Roman" panose="02020603050405020304" pitchFamily="18" charset="0"/>
               </a:rPr>
-              <a:t> + " " + </a:t>
+              <a:t> + </a:t>
+            </a:r>
+            <a:r>
+              <a:rPr lang="en-US" sz="2400" dirty="0">
+                <a:latin typeface="Times New Roman" panose="02020603050405020304" pitchFamily="18" charset="0"/>
+                <a:cs typeface="Times New Roman" panose="02020603050405020304" pitchFamily="18" charset="0"/>
+              </a:rPr>
+              <a:t>'</a:t>
+            </a:r>
+            <a:r>
+              <a:rPr lang="en-US" sz="2400" dirty="0">
+                <a:solidFill>
+                  <a:schemeClr val="tx1"/>
+                </a:solidFill>
+                <a:latin typeface="Times New Roman" panose="02020603050405020304" pitchFamily="18" charset="0"/>
+                <a:cs typeface="Times New Roman" panose="02020603050405020304" pitchFamily="18" charset="0"/>
+              </a:rPr>
+              <a:t> </a:t>
+            </a:r>
+            <a:r>
+              <a:rPr lang="en-US" sz="2400" dirty="0">
+                <a:latin typeface="Times New Roman" panose="02020603050405020304" pitchFamily="18" charset="0"/>
+                <a:cs typeface="Times New Roman" panose="02020603050405020304" pitchFamily="18" charset="0"/>
+              </a:rPr>
+              <a:t>'</a:t>
+            </a:r>
+            <a:r>
+              <a:rPr lang="en-US" sz="2400" dirty="0">
+                <a:solidFill>
+                  <a:schemeClr val="tx1"/>
+                </a:solidFill>
+                <a:latin typeface="Times New Roman" panose="02020603050405020304" pitchFamily="18" charset="0"/>
+                <a:cs typeface="Times New Roman" panose="02020603050405020304" pitchFamily="18" charset="0"/>
+              </a:rPr>
+              <a:t> + </a:t>
             </a:r>
             <a:r>
               <a:rPr lang="en-US" sz="2400" dirty="0" err="1">
@@ -12611,7 +13392,41 @@
                 <a:latin typeface="Times New Roman" panose="02020603050405020304" pitchFamily="18" charset="0"/>
                 <a:cs typeface="Times New Roman" panose="02020603050405020304" pitchFamily="18" charset="0"/>
               </a:rPr>
-              <a:t>(“Julia")</a:t>
+              <a:t>(</a:t>
+            </a:r>
+            <a:r>
+              <a:rPr lang="en-US" sz="2400" dirty="0">
+                <a:latin typeface="Times New Roman" panose="02020603050405020304" pitchFamily="18" charset="0"/>
+                <a:cs typeface="Times New Roman" panose="02020603050405020304" pitchFamily="18" charset="0"/>
+              </a:rPr>
+              <a:t>'</a:t>
+            </a:r>
+            <a:r>
+              <a:rPr lang="en-US" sz="2400" dirty="0">
+                <a:solidFill>
+                  <a:schemeClr val="tx1"/>
+                </a:solidFill>
+                <a:latin typeface="Times New Roman" panose="02020603050405020304" pitchFamily="18" charset="0"/>
+                <a:cs typeface="Times New Roman" panose="02020603050405020304" pitchFamily="18" charset="0"/>
+              </a:rPr>
+              <a:t>Julia</a:t>
+            </a:r>
+            <a:r>
+              <a:rPr lang="en-US" sz="2400" dirty="0">
+                <a:latin typeface="Times New Roman" panose="02020603050405020304" pitchFamily="18" charset="0"/>
+                <a:cs typeface="Times New Roman" panose="02020603050405020304" pitchFamily="18" charset="0"/>
+              </a:rPr>
+              <a:t>'</a:t>
+            </a:r>
+            <a:r>
+              <a:rPr lang="en-US" sz="2400" dirty="0">
+                <a:solidFill>
+                  <a:schemeClr val="tx1"/>
+                </a:solidFill>
+                <a:latin typeface="Times New Roman" panose="02020603050405020304" pitchFamily="18" charset="0"/>
+                <a:cs typeface="Times New Roman" panose="02020603050405020304" pitchFamily="18" charset="0"/>
+              </a:rPr>
+              <a:t>)</a:t>
             </a:r>
           </a:p>
         </p:txBody>
